--- a/docs/program_data_flow/住宅負荷計算のデータの流れ.pptx
+++ b/docs/program_data_flow/住宅負荷計算のデータの流れ.pptx
@@ -107,7 +107,7 @@
   <p:extLst>
     <p:ext uri="{EFAFB233-063F-42B5-8137-9DF3F51BA10A}">
       <p15:sldGuideLst xmlns:p15="http://schemas.microsoft.com/office/powerpoint/2012/main">
-        <p15:guide id="1" orient="horz" pos="3390" userDrawn="1">
+        <p15:guide id="1" orient="horz" pos="3413" userDrawn="1">
           <p15:clr>
             <a:srgbClr val="A4A3A4"/>
           </p15:clr>
@@ -254,7 +254,7 @@
           <a:p>
             <a:fld id="{B476CD0B-3F2C-4E64-A4B4-4A785DF67FE0}" type="datetimeFigureOut">
               <a:rPr kumimoji="1" lang="ja-JP" altLang="en-US" smtClean="0"/>
-              <a:t>2021/1/14</a:t>
+              <a:t>2021/1/26</a:t>
             </a:fld>
             <a:endParaRPr kumimoji="1" lang="ja-JP" altLang="en-US"/>
           </a:p>
@@ -456,7 +456,7 @@
           <a:p>
             <a:fld id="{B476CD0B-3F2C-4E64-A4B4-4A785DF67FE0}" type="datetimeFigureOut">
               <a:rPr kumimoji="1" lang="ja-JP" altLang="en-US" smtClean="0"/>
-              <a:t>2021/1/14</a:t>
+              <a:t>2021/1/26</a:t>
             </a:fld>
             <a:endParaRPr kumimoji="1" lang="ja-JP" altLang="en-US"/>
           </a:p>
@@ -668,7 +668,7 @@
           <a:p>
             <a:fld id="{B476CD0B-3F2C-4E64-A4B4-4A785DF67FE0}" type="datetimeFigureOut">
               <a:rPr kumimoji="1" lang="ja-JP" altLang="en-US" smtClean="0"/>
-              <a:t>2021/1/14</a:t>
+              <a:t>2021/1/26</a:t>
             </a:fld>
             <a:endParaRPr kumimoji="1" lang="ja-JP" altLang="en-US"/>
           </a:p>
@@ -870,7 +870,7 @@
           <a:p>
             <a:fld id="{B476CD0B-3F2C-4E64-A4B4-4A785DF67FE0}" type="datetimeFigureOut">
               <a:rPr kumimoji="1" lang="ja-JP" altLang="en-US" smtClean="0"/>
-              <a:t>2021/1/14</a:t>
+              <a:t>2021/1/26</a:t>
             </a:fld>
             <a:endParaRPr kumimoji="1" lang="ja-JP" altLang="en-US"/>
           </a:p>
@@ -1114,7 +1114,7 @@
           <a:p>
             <a:fld id="{B476CD0B-3F2C-4E64-A4B4-4A785DF67FE0}" type="datetimeFigureOut">
               <a:rPr kumimoji="1" lang="ja-JP" altLang="en-US" smtClean="0"/>
-              <a:t>2021/1/14</a:t>
+              <a:t>2021/1/26</a:t>
             </a:fld>
             <a:endParaRPr kumimoji="1" lang="ja-JP" altLang="en-US"/>
           </a:p>
@@ -1410,7 +1410,7 @@
           <a:p>
             <a:fld id="{B476CD0B-3F2C-4E64-A4B4-4A785DF67FE0}" type="datetimeFigureOut">
               <a:rPr kumimoji="1" lang="ja-JP" altLang="en-US" smtClean="0"/>
-              <a:t>2021/1/14</a:t>
+              <a:t>2021/1/26</a:t>
             </a:fld>
             <a:endParaRPr kumimoji="1" lang="ja-JP" altLang="en-US"/>
           </a:p>
@@ -1841,7 +1841,7 @@
           <a:p>
             <a:fld id="{B476CD0B-3F2C-4E64-A4B4-4A785DF67FE0}" type="datetimeFigureOut">
               <a:rPr kumimoji="1" lang="ja-JP" altLang="en-US" smtClean="0"/>
-              <a:t>2021/1/14</a:t>
+              <a:t>2021/1/26</a:t>
             </a:fld>
             <a:endParaRPr kumimoji="1" lang="ja-JP" altLang="en-US"/>
           </a:p>
@@ -1959,7 +1959,7 @@
           <a:p>
             <a:fld id="{B476CD0B-3F2C-4E64-A4B4-4A785DF67FE0}" type="datetimeFigureOut">
               <a:rPr kumimoji="1" lang="ja-JP" altLang="en-US" smtClean="0"/>
-              <a:t>2021/1/14</a:t>
+              <a:t>2021/1/26</a:t>
             </a:fld>
             <a:endParaRPr kumimoji="1" lang="ja-JP" altLang="en-US"/>
           </a:p>
@@ -2054,7 +2054,7 @@
           <a:p>
             <a:fld id="{B476CD0B-3F2C-4E64-A4B4-4A785DF67FE0}" type="datetimeFigureOut">
               <a:rPr kumimoji="1" lang="ja-JP" altLang="en-US" smtClean="0"/>
-              <a:t>2021/1/14</a:t>
+              <a:t>2021/1/26</a:t>
             </a:fld>
             <a:endParaRPr kumimoji="1" lang="ja-JP" altLang="en-US"/>
           </a:p>
@@ -2363,7 +2363,7 @@
           <a:p>
             <a:fld id="{B476CD0B-3F2C-4E64-A4B4-4A785DF67FE0}" type="datetimeFigureOut">
               <a:rPr kumimoji="1" lang="ja-JP" altLang="en-US" smtClean="0"/>
-              <a:t>2021/1/14</a:t>
+              <a:t>2021/1/26</a:t>
             </a:fld>
             <a:endParaRPr kumimoji="1" lang="ja-JP" altLang="en-US"/>
           </a:p>
@@ -2620,7 +2620,7 @@
           <a:p>
             <a:fld id="{B476CD0B-3F2C-4E64-A4B4-4A785DF67FE0}" type="datetimeFigureOut">
               <a:rPr kumimoji="1" lang="ja-JP" altLang="en-US" smtClean="0"/>
-              <a:t>2021/1/14</a:t>
+              <a:t>2021/1/26</a:t>
             </a:fld>
             <a:endParaRPr kumimoji="1" lang="ja-JP" altLang="en-US"/>
           </a:p>
@@ -2865,7 +2865,7 @@
           <a:p>
             <a:fld id="{B476CD0B-3F2C-4E64-A4B4-4A785DF67FE0}" type="datetimeFigureOut">
               <a:rPr kumimoji="1" lang="ja-JP" altLang="en-US" smtClean="0"/>
-              <a:t>2021/1/14</a:t>
+              <a:t>2021/1/26</a:t>
             </a:fld>
             <a:endParaRPr kumimoji="1" lang="ja-JP" altLang="en-US"/>
           </a:p>
@@ -4220,7 +4220,7 @@
         </p:nvSpPr>
         <p:spPr>
           <a:xfrm>
-            <a:off x="737586" y="5966648"/>
+            <a:off x="737586" y="5927823"/>
             <a:ext cx="1169157" cy="211203"/>
           </a:xfrm>
           <a:prstGeom prst="rect">
@@ -4240,7 +4240,7 @@
             </a:pPr>
             <a:r>
               <a:rPr kumimoji="1" lang="ja-JP" altLang="en-US" sz="900" dirty="0"/>
-              <a:t>室内外熱伝達抵抗</a:t>
+              <a:t>室内対流熱伝達率</a:t>
             </a:r>
             <a:endParaRPr kumimoji="1" lang="en-US" altLang="ja-JP" sz="900" dirty="0"/>
           </a:p>
@@ -4260,7 +4260,7 @@
         </p:nvSpPr>
         <p:spPr>
           <a:xfrm>
-            <a:off x="737586" y="6149082"/>
+            <a:off x="737586" y="6210827"/>
             <a:ext cx="1226865" cy="349702"/>
           </a:xfrm>
           <a:prstGeom prst="rect">
@@ -4387,7 +4387,7 @@
         </p:nvSpPr>
         <p:spPr>
           <a:xfrm>
-            <a:off x="737586" y="6834883"/>
+            <a:off x="737586" y="6789274"/>
             <a:ext cx="1169157" cy="211203"/>
           </a:xfrm>
           <a:prstGeom prst="rect">
@@ -4427,7 +4427,7 @@
         </p:nvSpPr>
         <p:spPr>
           <a:xfrm>
-            <a:off x="737586" y="7017317"/>
+            <a:off x="737586" y="6926099"/>
             <a:ext cx="1169157" cy="211203"/>
           </a:xfrm>
           <a:prstGeom prst="rect">
@@ -4447,7 +4447,7 @@
             </a:pPr>
             <a:r>
               <a:rPr kumimoji="1" lang="ja-JP" altLang="en-US" sz="900" dirty="0"/>
-              <a:t>室内外熱伝達抵抗</a:t>
+              <a:t>室内対流熱伝達率</a:t>
             </a:r>
             <a:endParaRPr kumimoji="1" lang="en-US" altLang="ja-JP" sz="900" dirty="0"/>
           </a:p>
@@ -4694,7 +4694,7 @@
             </a:pPr>
             <a:r>
               <a:rPr kumimoji="1" lang="ja-JP" altLang="en-US" sz="900" dirty="0"/>
-              <a:t>室内外熱伝達抵抗</a:t>
+              <a:t>室内対流熱伝達率</a:t>
             </a:r>
             <a:endParaRPr kumimoji="1" lang="en-US" altLang="ja-JP" sz="900" dirty="0"/>
           </a:p>
@@ -4901,7 +4901,7 @@
             </a:pPr>
             <a:r>
               <a:rPr kumimoji="1" lang="ja-JP" altLang="en-US" sz="900" dirty="0"/>
-              <a:t>室内外熱伝達抵抗</a:t>
+              <a:t>室内対流熱伝達率</a:t>
             </a:r>
             <a:endParaRPr kumimoji="1" lang="en-US" altLang="ja-JP" sz="900" dirty="0"/>
           </a:p>
@@ -5578,7 +5578,7 @@
         </p:nvSpPr>
         <p:spPr>
           <a:xfrm>
-            <a:off x="4364811" y="3748623"/>
+            <a:off x="4364811" y="3216170"/>
             <a:ext cx="1290985" cy="211203"/>
           </a:xfrm>
           <a:prstGeom prst="rect">
@@ -6478,7 +6478,7 @@
         </p:nvSpPr>
         <p:spPr>
           <a:xfrm>
-            <a:off x="3660987" y="5845183"/>
+            <a:off x="2305626" y="5724326"/>
             <a:ext cx="79243" cy="79243"/>
           </a:xfrm>
           <a:prstGeom prst="rect">
@@ -6526,19 +6526,17 @@
           <p:cNvCxnSpPr>
             <a:cxnSpLocks/>
             <a:stCxn id="44" idx="3"/>
-            <a:endCxn id="166" idx="1"/>
+            <a:endCxn id="166" idx="2"/>
           </p:cNvCxnSpPr>
           <p:nvPr/>
         </p:nvCxnSpPr>
         <p:spPr>
           <a:xfrm flipV="1">
-            <a:off x="2022159" y="5884805"/>
-            <a:ext cx="1638828" cy="2288783"/>
-          </a:xfrm>
-          <a:prstGeom prst="bentConnector3">
-            <a:avLst>
-              <a:gd name="adj1" fmla="val 29948"/>
-            </a:avLst>
+            <a:off x="2022159" y="5803569"/>
+            <a:ext cx="323089" cy="2370019"/>
+          </a:xfrm>
+          <a:prstGeom prst="bentConnector2">
+            <a:avLst/>
           </a:prstGeom>
           <a:ln w="12700">
             <a:solidFill>
@@ -6574,19 +6572,17 @@
           <p:cNvCxnSpPr>
             <a:cxnSpLocks/>
             <a:stCxn id="181" idx="3"/>
-            <a:endCxn id="166" idx="1"/>
+            <a:endCxn id="166" idx="2"/>
           </p:cNvCxnSpPr>
           <p:nvPr/>
         </p:nvCxnSpPr>
         <p:spPr>
           <a:xfrm flipV="1">
-            <a:off x="1477628" y="5884805"/>
-            <a:ext cx="2183359" cy="2101652"/>
-          </a:xfrm>
-          <a:prstGeom prst="bentConnector3">
-            <a:avLst>
-              <a:gd name="adj1" fmla="val 47164"/>
-            </a:avLst>
+            <a:off x="1477628" y="5803569"/>
+            <a:ext cx="867620" cy="2182888"/>
+          </a:xfrm>
+          <a:prstGeom prst="bentConnector2">
+            <a:avLst/>
           </a:prstGeom>
           <a:ln w="12700">
             <a:solidFill>
@@ -6722,19 +6718,17 @@
           <p:cNvCxnSpPr>
             <a:cxnSpLocks/>
             <a:stCxn id="200" idx="3"/>
-            <a:endCxn id="166" idx="1"/>
+            <a:endCxn id="166" idx="2"/>
           </p:cNvCxnSpPr>
           <p:nvPr/>
         </p:nvCxnSpPr>
         <p:spPr>
           <a:xfrm flipV="1">
-            <a:off x="1902277" y="5884805"/>
-            <a:ext cx="1758710" cy="1275148"/>
-          </a:xfrm>
-          <a:prstGeom prst="bentConnector3">
-            <a:avLst>
-              <a:gd name="adj1" fmla="val 34835"/>
-            </a:avLst>
+            <a:off x="1902277" y="5803569"/>
+            <a:ext cx="442971" cy="1356384"/>
+          </a:xfrm>
+          <a:prstGeom prst="bentConnector2">
+            <a:avLst/>
           </a:prstGeom>
           <a:ln w="12700">
             <a:solidFill>
@@ -6770,19 +6764,17 @@
           <p:cNvCxnSpPr>
             <a:cxnSpLocks/>
             <a:stCxn id="36" idx="3"/>
-            <a:endCxn id="166" idx="1"/>
+            <a:endCxn id="166" idx="2"/>
           </p:cNvCxnSpPr>
           <p:nvPr/>
         </p:nvCxnSpPr>
         <p:spPr>
           <a:xfrm flipV="1">
-            <a:off x="1906743" y="5884805"/>
-            <a:ext cx="1754244" cy="1055680"/>
-          </a:xfrm>
-          <a:prstGeom prst="bentConnector3">
-            <a:avLst>
-              <a:gd name="adj1" fmla="val 34525"/>
-            </a:avLst>
+            <a:off x="1906743" y="5803569"/>
+            <a:ext cx="438505" cy="1091307"/>
+          </a:xfrm>
+          <a:prstGeom prst="bentConnector2">
+            <a:avLst/>
           </a:prstGeom>
           <a:ln w="12700">
             <a:solidFill>
@@ -6818,19 +6810,17 @@
           <p:cNvCxnSpPr>
             <a:cxnSpLocks/>
             <a:stCxn id="35" idx="3"/>
-            <a:endCxn id="166" idx="1"/>
+            <a:endCxn id="166" idx="2"/>
           </p:cNvCxnSpPr>
           <p:nvPr/>
         </p:nvCxnSpPr>
         <p:spPr>
           <a:xfrm flipV="1">
-            <a:off x="2022159" y="5884805"/>
-            <a:ext cx="1638828" cy="873246"/>
-          </a:xfrm>
-          <a:prstGeom prst="bentConnector3">
-            <a:avLst>
-              <a:gd name="adj1" fmla="val 29948"/>
-            </a:avLst>
+            <a:off x="2022159" y="5803569"/>
+            <a:ext cx="323089" cy="954482"/>
+          </a:xfrm>
+          <a:prstGeom prst="bentConnector2">
+            <a:avLst/>
           </a:prstGeom>
           <a:ln w="12700">
             <a:solidFill>
@@ -6866,19 +6856,17 @@
           <p:cNvCxnSpPr>
             <a:cxnSpLocks/>
             <a:stCxn id="48" idx="3"/>
-            <a:endCxn id="166" idx="1"/>
+            <a:endCxn id="166" idx="2"/>
           </p:cNvCxnSpPr>
           <p:nvPr/>
         </p:nvCxnSpPr>
         <p:spPr>
           <a:xfrm flipV="1">
-            <a:off x="2022159" y="5884805"/>
-            <a:ext cx="1638828" cy="3157018"/>
-          </a:xfrm>
-          <a:prstGeom prst="bentConnector3">
-            <a:avLst>
-              <a:gd name="adj1" fmla="val 29658"/>
-            </a:avLst>
+            <a:off x="2022159" y="5803569"/>
+            <a:ext cx="323089" cy="3238254"/>
+          </a:xfrm>
+          <a:prstGeom prst="bentConnector2">
+            <a:avLst/>
           </a:prstGeom>
           <a:ln w="12700">
             <a:solidFill>
@@ -6914,19 +6902,17 @@
           <p:cNvCxnSpPr>
             <a:cxnSpLocks/>
             <a:stCxn id="49" idx="3"/>
-            <a:endCxn id="166" idx="1"/>
+            <a:endCxn id="166" idx="2"/>
           </p:cNvCxnSpPr>
           <p:nvPr/>
         </p:nvCxnSpPr>
         <p:spPr>
           <a:xfrm flipV="1">
-            <a:off x="1906743" y="5884805"/>
-            <a:ext cx="1754244" cy="3339452"/>
-          </a:xfrm>
-          <a:prstGeom prst="bentConnector3">
-            <a:avLst>
-              <a:gd name="adj1" fmla="val 34525"/>
-            </a:avLst>
+            <a:off x="1906743" y="5803569"/>
+            <a:ext cx="438505" cy="3420688"/>
+          </a:xfrm>
+          <a:prstGeom prst="bentConnector2">
+            <a:avLst/>
           </a:prstGeom>
           <a:ln w="12700">
             <a:solidFill>
@@ -6961,20 +6947,18 @@
           </p:cNvPr>
           <p:cNvCxnSpPr>
             <a:cxnSpLocks/>
-            <a:stCxn id="50" idx="3"/>
-            <a:endCxn id="166" idx="1"/>
+            <a:stCxn id="51" idx="3"/>
+            <a:endCxn id="166" idx="2"/>
           </p:cNvCxnSpPr>
           <p:nvPr/>
         </p:nvCxnSpPr>
         <p:spPr>
           <a:xfrm flipV="1">
-            <a:off x="1906743" y="5884805"/>
-            <a:ext cx="1754244" cy="3521886"/>
-          </a:xfrm>
-          <a:prstGeom prst="bentConnector3">
-            <a:avLst>
-              <a:gd name="adj1" fmla="val 34525"/>
-            </a:avLst>
+            <a:off x="1445078" y="5803569"/>
+            <a:ext cx="900170" cy="3785556"/>
+          </a:xfrm>
+          <a:prstGeom prst="bentConnector2">
+            <a:avLst/>
           </a:prstGeom>
           <a:ln w="12700">
             <a:solidFill>
@@ -7105,23 +7089,25 @@
           </p:cNvPr>
           <p:cNvCxnSpPr>
             <a:cxnSpLocks/>
-            <a:stCxn id="166" idx="1"/>
             <a:endCxn id="126" idx="0"/>
           </p:cNvCxnSpPr>
           <p:nvPr/>
         </p:nvCxnSpPr>
         <p:spPr>
-          <a:xfrm rot="10800000" flipV="1">
-            <a:off x="3103037" y="5884805"/>
-            <a:ext cx="557951" cy="1741556"/>
-          </a:xfrm>
-          <a:prstGeom prst="bentConnector2">
-            <a:avLst/>
+          <a:xfrm rot="16200000" flipH="1">
+            <a:off x="2187319" y="6710644"/>
+            <a:ext cx="1831432" cy="1"/>
+          </a:xfrm>
+          <a:prstGeom prst="bentConnector3">
+            <a:avLst>
+              <a:gd name="adj1" fmla="val 50000"/>
+            </a:avLst>
           </a:prstGeom>
           <a:ln w="12700">
             <a:solidFill>
               <a:schemeClr val="tx1"/>
             </a:solidFill>
+            <a:headEnd type="triangle"/>
             <a:tailEnd type="none"/>
           </a:ln>
         </p:spPr>
@@ -7250,7 +7236,7 @@
         </p:nvSpPr>
         <p:spPr>
           <a:xfrm>
-            <a:off x="3609960" y="5872650"/>
+            <a:off x="3609960" y="5821850"/>
             <a:ext cx="79243" cy="79243"/>
           </a:xfrm>
           <a:prstGeom prst="rect">
@@ -7304,8 +7290,8 @@
         </p:nvCxnSpPr>
         <p:spPr>
           <a:xfrm rot="5400000" flipH="1" flipV="1">
-            <a:off x="2454663" y="3963903"/>
-            <a:ext cx="3103666" cy="713829"/>
+            <a:off x="2480063" y="3938503"/>
+            <a:ext cx="3052866" cy="713829"/>
           </a:xfrm>
           <a:prstGeom prst="bentConnector2">
             <a:avLst/>
@@ -7504,7 +7490,7 @@
         </p:nvSpPr>
         <p:spPr>
           <a:xfrm>
-            <a:off x="4784228" y="4507176"/>
+            <a:off x="4784228" y="3648934"/>
             <a:ext cx="1361517" cy="211203"/>
           </a:xfrm>
           <a:prstGeom prst="rect">
@@ -7552,7 +7538,7 @@
         </p:nvSpPr>
         <p:spPr>
           <a:xfrm>
-            <a:off x="4784228" y="4296883"/>
+            <a:off x="4784228" y="3444222"/>
             <a:ext cx="476660" cy="211203"/>
           </a:xfrm>
           <a:prstGeom prst="rect">
@@ -7592,7 +7578,7 @@
         </p:nvSpPr>
         <p:spPr>
           <a:xfrm>
-            <a:off x="4784228" y="4717469"/>
+            <a:off x="4784228" y="3853646"/>
             <a:ext cx="707492" cy="211203"/>
           </a:xfrm>
           <a:prstGeom prst="rect">
@@ -7632,7 +7618,7 @@
         </p:nvSpPr>
         <p:spPr>
           <a:xfrm>
-            <a:off x="4461063" y="4086590"/>
+            <a:off x="4384303" y="3458495"/>
             <a:ext cx="303536" cy="211203"/>
           </a:xfrm>
           <a:prstGeom prst="rect">
@@ -7681,7 +7667,7 @@
         </p:nvSpPr>
         <p:spPr>
           <a:xfrm>
-            <a:off x="4470148" y="4927762"/>
+            <a:off x="4384303" y="4060354"/>
             <a:ext cx="418952" cy="211203"/>
           </a:xfrm>
           <a:prstGeom prst="rect">
@@ -7730,7 +7716,7 @@
         </p:nvSpPr>
         <p:spPr>
           <a:xfrm>
-            <a:off x="4793313" y="5348348"/>
+            <a:off x="4793313" y="4263070"/>
             <a:ext cx="611312" cy="211203"/>
           </a:xfrm>
           <a:prstGeom prst="rect">
@@ -7770,7 +7756,7 @@
         </p:nvSpPr>
         <p:spPr>
           <a:xfrm>
-            <a:off x="4793313" y="5768934"/>
+            <a:off x="4793313" y="4672494"/>
             <a:ext cx="476660" cy="211203"/>
           </a:xfrm>
           <a:prstGeom prst="rect">
@@ -7810,7 +7796,7 @@
         </p:nvSpPr>
         <p:spPr>
           <a:xfrm>
-            <a:off x="4793313" y="5979227"/>
+            <a:off x="4793313" y="4877206"/>
             <a:ext cx="1323045" cy="211203"/>
           </a:xfrm>
           <a:prstGeom prst="rect">
@@ -7850,7 +7836,7 @@
         </p:nvSpPr>
         <p:spPr>
           <a:xfrm>
-            <a:off x="4793313" y="6189520"/>
+            <a:off x="4793313" y="5081918"/>
             <a:ext cx="1169157" cy="211203"/>
           </a:xfrm>
           <a:prstGeom prst="rect">
@@ -7890,8 +7876,8 @@
         </p:nvSpPr>
         <p:spPr>
           <a:xfrm>
-            <a:off x="4793313" y="6399813"/>
-            <a:ext cx="1323045" cy="211203"/>
+            <a:off x="4793313" y="5286630"/>
+            <a:ext cx="1611586" cy="211203"/>
           </a:xfrm>
           <a:prstGeom prst="rect">
             <a:avLst/>
@@ -7910,7 +7896,7 @@
             </a:pPr>
             <a:r>
               <a:rPr kumimoji="1" lang="ja-JP" altLang="en-US" sz="900" dirty="0"/>
-              <a:t>隣室からの流入換気量</a:t>
+              <a:t>隣室からの流入・流出換気量</a:t>
             </a:r>
             <a:endParaRPr kumimoji="1" lang="en-US" altLang="ja-JP" sz="900" dirty="0"/>
           </a:p>
@@ -7930,7 +7916,7 @@
         </p:nvSpPr>
         <p:spPr>
           <a:xfrm>
-            <a:off x="4793313" y="6610106"/>
+            <a:off x="4793313" y="5491342"/>
             <a:ext cx="1494567" cy="211203"/>
           </a:xfrm>
           <a:prstGeom prst="rect">
@@ -7970,7 +7956,7 @@
         </p:nvSpPr>
         <p:spPr>
           <a:xfrm>
-            <a:off x="4793313" y="5138055"/>
+            <a:off x="4793313" y="4058358"/>
             <a:ext cx="476660" cy="211203"/>
           </a:xfrm>
           <a:prstGeom prst="rect">
@@ -8010,7 +7996,7 @@
         </p:nvSpPr>
         <p:spPr>
           <a:xfrm>
-            <a:off x="4793313" y="5558641"/>
+            <a:off x="4793313" y="4467782"/>
             <a:ext cx="592076" cy="211203"/>
           </a:xfrm>
           <a:prstGeom prst="rect">
@@ -8050,7 +8036,7 @@
         </p:nvSpPr>
         <p:spPr>
           <a:xfrm>
-            <a:off x="4793313" y="6820399"/>
+            <a:off x="4793313" y="5696054"/>
             <a:ext cx="2063633" cy="211203"/>
           </a:xfrm>
           <a:prstGeom prst="rect">
@@ -8090,7 +8076,7 @@
         </p:nvSpPr>
         <p:spPr>
           <a:xfrm>
-            <a:off x="4789932" y="7240985"/>
+            <a:off x="4789932" y="6105478"/>
             <a:ext cx="476660" cy="211203"/>
           </a:xfrm>
           <a:prstGeom prst="rect">
@@ -8118,10 +8104,10 @@
       </p:sp>
       <p:sp>
         <p:nvSpPr>
-          <p:cNvPr id="347" name="テキスト ボックス 346">
-            <a:extLst>
-              <a:ext uri="{FF2B5EF4-FFF2-40B4-BE49-F238E27FC236}">
-                <a16:creationId xmlns:a16="http://schemas.microsoft.com/office/drawing/2014/main" id="{1DCB6A6E-34D5-4975-AFAB-F6CB621E5ECF}"/>
+          <p:cNvPr id="348" name="テキスト ボックス 347">
+            <a:extLst>
+              <a:ext uri="{FF2B5EF4-FFF2-40B4-BE49-F238E27FC236}">
+                <a16:creationId xmlns:a16="http://schemas.microsoft.com/office/drawing/2014/main" id="{3AF7C690-B4D1-435C-8BDA-C66728999C74}"/>
               </a:ext>
             </a:extLst>
           </p:cNvPr>
@@ -8130,8 +8116,8 @@
         </p:nvSpPr>
         <p:spPr>
           <a:xfrm>
-            <a:off x="4789932" y="7451278"/>
-            <a:ext cx="802070" cy="211203"/>
+            <a:off x="4789932" y="6924326"/>
+            <a:ext cx="476660" cy="211203"/>
           </a:xfrm>
           <a:prstGeom prst="rect">
             <a:avLst/>
@@ -8150,7 +8136,7 @@
             </a:pPr>
             <a:r>
               <a:rPr kumimoji="1" lang="ja-JP" altLang="en-US" sz="900" dirty="0"/>
-              <a:t>境界の種類</a:t>
+              <a:t>面積</a:t>
             </a:r>
             <a:endParaRPr kumimoji="1" lang="en-US" altLang="ja-JP" sz="900" dirty="0"/>
           </a:p>
@@ -8158,10 +8144,10 @@
       </p:sp>
       <p:sp>
         <p:nvSpPr>
-          <p:cNvPr id="348" name="テキスト ボックス 347">
-            <a:extLst>
-              <a:ext uri="{FF2B5EF4-FFF2-40B4-BE49-F238E27FC236}">
-                <a16:creationId xmlns:a16="http://schemas.microsoft.com/office/drawing/2014/main" id="{3AF7C690-B4D1-435C-8BDA-C66728999C74}"/>
+          <p:cNvPr id="350" name="テキスト ボックス 349">
+            <a:extLst>
+              <a:ext uri="{FF2B5EF4-FFF2-40B4-BE49-F238E27FC236}">
+                <a16:creationId xmlns:a16="http://schemas.microsoft.com/office/drawing/2014/main" id="{4D1B7BA2-81AF-4336-97CD-E72BC9E6B81E}"/>
               </a:ext>
             </a:extLst>
           </p:cNvPr>
@@ -8170,8 +8156,8 @@
         </p:nvSpPr>
         <p:spPr>
           <a:xfrm>
-            <a:off x="4789932" y="7661571"/>
-            <a:ext cx="476660" cy="211203"/>
+            <a:off x="4789932" y="7947886"/>
+            <a:ext cx="1746238" cy="211203"/>
           </a:xfrm>
           <a:prstGeom prst="rect">
             <a:avLst/>
@@ -8190,7 +8176,7 @@
             </a:pPr>
             <a:r>
               <a:rPr kumimoji="1" lang="ja-JP" altLang="en-US" sz="900" dirty="0"/>
-              <a:t>面積</a:t>
+              <a:t>相当外気温度基準温度差係数</a:t>
             </a:r>
             <a:endParaRPr kumimoji="1" lang="en-US" altLang="ja-JP" sz="900" dirty="0"/>
           </a:p>
@@ -8198,10 +8184,10 @@
       </p:sp>
       <p:sp>
         <p:nvSpPr>
-          <p:cNvPr id="350" name="テキスト ボックス 349">
-            <a:extLst>
-              <a:ext uri="{FF2B5EF4-FFF2-40B4-BE49-F238E27FC236}">
-                <a16:creationId xmlns:a16="http://schemas.microsoft.com/office/drawing/2014/main" id="{4D1B7BA2-81AF-4336-97CD-E72BC9E6B81E}"/>
+          <p:cNvPr id="353" name="テキスト ボックス 352">
+            <a:extLst>
+              <a:ext uri="{FF2B5EF4-FFF2-40B4-BE49-F238E27FC236}">
+                <a16:creationId xmlns:a16="http://schemas.microsoft.com/office/drawing/2014/main" id="{FB4500E8-85B4-445D-94F9-87FB381A3C3C}"/>
               </a:ext>
             </a:extLst>
           </p:cNvPr>
@@ -8210,8 +8196,8 @@
         </p:nvSpPr>
         <p:spPr>
           <a:xfrm>
-            <a:off x="4789932" y="7871864"/>
-            <a:ext cx="822908" cy="211203"/>
+            <a:off x="4789932" y="7538462"/>
+            <a:ext cx="1494567" cy="211203"/>
           </a:xfrm>
           <a:prstGeom prst="rect">
             <a:avLst/>
@@ -8230,7 +8216,7 @@
             </a:pPr>
             <a:r>
               <a:rPr kumimoji="1" lang="ja-JP" altLang="en-US" sz="900" dirty="0"/>
-              <a:t>温度差係数</a:t>
+              <a:t>室内侵入日射吸収の有無</a:t>
             </a:r>
             <a:endParaRPr kumimoji="1" lang="en-US" altLang="ja-JP" sz="900" dirty="0"/>
           </a:p>
@@ -8238,10 +8224,10 @@
       </p:sp>
       <p:sp>
         <p:nvSpPr>
-          <p:cNvPr id="352" name="テキスト ボックス 351">
-            <a:extLst>
-              <a:ext uri="{FF2B5EF4-FFF2-40B4-BE49-F238E27FC236}">
-                <a16:creationId xmlns:a16="http://schemas.microsoft.com/office/drawing/2014/main" id="{DCBE403B-15D7-456F-B7CC-DC914A1452E7}"/>
+          <p:cNvPr id="354" name="テキスト ボックス 353">
+            <a:extLst>
+              <a:ext uri="{FF2B5EF4-FFF2-40B4-BE49-F238E27FC236}">
+                <a16:creationId xmlns:a16="http://schemas.microsoft.com/office/drawing/2014/main" id="{75ED9A1E-54D0-4B0D-B9AF-90060944A561}"/>
               </a:ext>
             </a:extLst>
           </p:cNvPr>
@@ -8250,8 +8236,8 @@
         </p:nvSpPr>
         <p:spPr>
           <a:xfrm>
-            <a:off x="4789932" y="8082157"/>
-            <a:ext cx="726728" cy="211203"/>
+            <a:off x="4789932" y="7129038"/>
+            <a:ext cx="1169157" cy="211203"/>
           </a:xfrm>
           <a:prstGeom prst="rect">
             <a:avLst/>
@@ -8270,7 +8256,7 @@
             </a:pPr>
             <a:r>
               <a:rPr kumimoji="1" lang="ja-JP" altLang="en-US" sz="900" dirty="0"/>
-              <a:t>隣室タイプ</a:t>
+              <a:t>室内対流熱伝達率</a:t>
             </a:r>
             <a:endParaRPr kumimoji="1" lang="en-US" altLang="ja-JP" sz="900" dirty="0"/>
           </a:p>
@@ -8278,10 +8264,10 @@
       </p:sp>
       <p:sp>
         <p:nvSpPr>
-          <p:cNvPr id="353" name="テキスト ボックス 352">
-            <a:extLst>
-              <a:ext uri="{FF2B5EF4-FFF2-40B4-BE49-F238E27FC236}">
-                <a16:creationId xmlns:a16="http://schemas.microsoft.com/office/drawing/2014/main" id="{FB4500E8-85B4-445D-94F9-87FB381A3C3C}"/>
+          <p:cNvPr id="377" name="テキスト ボックス 376">
+            <a:extLst>
+              <a:ext uri="{FF2B5EF4-FFF2-40B4-BE49-F238E27FC236}">
+                <a16:creationId xmlns:a16="http://schemas.microsoft.com/office/drawing/2014/main" id="{2A4752ED-C205-4C3F-B173-C80A0DBF5647}"/>
               </a:ext>
             </a:extLst>
           </p:cNvPr>
@@ -8290,87 +8276,7 @@
         </p:nvSpPr>
         <p:spPr>
           <a:xfrm>
-            <a:off x="4789932" y="8292450"/>
-            <a:ext cx="1494567" cy="211203"/>
-          </a:xfrm>
-          <a:prstGeom prst="rect">
-            <a:avLst/>
-          </a:prstGeom>
-          <a:noFill/>
-        </p:spPr>
-        <p:txBody>
-          <a:bodyPr wrap="none" lIns="36000" tIns="36000" rIns="36000" bIns="36000" rtlCol="0">
-            <a:spAutoFit/>
-          </a:bodyPr>
-          <a:lstStyle/>
-          <a:p>
-            <a:pPr marL="171450" indent="-171450">
-              <a:buFont typeface="Wingdings" panose="05000000000000000000" pitchFamily="2" charset="2"/>
-              <a:buChar char="p"/>
-            </a:pPr>
-            <a:r>
-              <a:rPr kumimoji="1" lang="ja-JP" altLang="en-US" sz="900" dirty="0"/>
-              <a:t>室内侵入日射吸収の有無</a:t>
-            </a:r>
-            <a:endParaRPr kumimoji="1" lang="en-US" altLang="ja-JP" sz="900" dirty="0"/>
-          </a:p>
-        </p:txBody>
-      </p:sp>
-      <p:sp>
-        <p:nvSpPr>
-          <p:cNvPr id="354" name="テキスト ボックス 353">
-            <a:extLst>
-              <a:ext uri="{FF2B5EF4-FFF2-40B4-BE49-F238E27FC236}">
-                <a16:creationId xmlns:a16="http://schemas.microsoft.com/office/drawing/2014/main" id="{75ED9A1E-54D0-4B0D-B9AF-90060944A561}"/>
-              </a:ext>
-            </a:extLst>
-          </p:cNvPr>
-          <p:cNvSpPr txBox="1"/>
-          <p:nvPr/>
-        </p:nvSpPr>
-        <p:spPr>
-          <a:xfrm>
-            <a:off x="4789932" y="8502743"/>
-            <a:ext cx="1053741" cy="211203"/>
-          </a:xfrm>
-          <a:prstGeom prst="rect">
-            <a:avLst/>
-          </a:prstGeom>
-          <a:noFill/>
-        </p:spPr>
-        <p:txBody>
-          <a:bodyPr wrap="none" lIns="36000" tIns="36000" rIns="36000" bIns="36000" rtlCol="0">
-            <a:spAutoFit/>
-          </a:bodyPr>
-          <a:lstStyle/>
-          <a:p>
-            <a:pPr marL="171450" indent="-171450">
-              <a:buFont typeface="Wingdings" panose="05000000000000000000" pitchFamily="2" charset="2"/>
-              <a:buChar char="p"/>
-            </a:pPr>
-            <a:r>
-              <a:rPr kumimoji="1" lang="ja-JP" altLang="en-US" sz="900" dirty="0"/>
-              <a:t>室内熱伝達抵抗</a:t>
-            </a:r>
-            <a:endParaRPr kumimoji="1" lang="en-US" altLang="ja-JP" sz="900" dirty="0"/>
-          </a:p>
-        </p:txBody>
-      </p:sp>
-      <p:sp>
-        <p:nvSpPr>
-          <p:cNvPr id="377" name="テキスト ボックス 376">
-            <a:extLst>
-              <a:ext uri="{FF2B5EF4-FFF2-40B4-BE49-F238E27FC236}">
-                <a16:creationId xmlns:a16="http://schemas.microsoft.com/office/drawing/2014/main" id="{2A4752ED-C205-4C3F-B173-C80A0DBF5647}"/>
-              </a:ext>
-            </a:extLst>
-          </p:cNvPr>
-          <p:cNvSpPr txBox="1"/>
-          <p:nvPr/>
-        </p:nvSpPr>
-        <p:spPr>
-          <a:xfrm>
-            <a:off x="4466767" y="7030692"/>
+            <a:off x="4384303" y="5897927"/>
             <a:ext cx="303536" cy="211203"/>
           </a:xfrm>
           <a:prstGeom prst="rect">
@@ -8407,86 +8313,6 @@
       </p:sp>
       <p:sp>
         <p:nvSpPr>
-          <p:cNvPr id="385" name="テキスト ボックス 384">
-            <a:extLst>
-              <a:ext uri="{FF2B5EF4-FFF2-40B4-BE49-F238E27FC236}">
-                <a16:creationId xmlns:a16="http://schemas.microsoft.com/office/drawing/2014/main" id="{83963600-A50D-4911-AE6F-E627BD09F854}"/>
-              </a:ext>
-            </a:extLst>
-          </p:cNvPr>
-          <p:cNvSpPr txBox="1"/>
-          <p:nvPr/>
-        </p:nvSpPr>
-        <p:spPr>
-          <a:xfrm>
-            <a:off x="4789932" y="8713036"/>
-            <a:ext cx="707492" cy="211203"/>
-          </a:xfrm>
-          <a:prstGeom prst="rect">
-            <a:avLst/>
-          </a:prstGeom>
-          <a:noFill/>
-        </p:spPr>
-        <p:txBody>
-          <a:bodyPr wrap="none" lIns="36000" tIns="36000" rIns="36000" bIns="36000" rtlCol="0">
-            <a:spAutoFit/>
-          </a:bodyPr>
-          <a:lstStyle/>
-          <a:p>
-            <a:pPr marL="171450" indent="-171450">
-              <a:buFont typeface="Wingdings" panose="05000000000000000000" pitchFamily="2" charset="2"/>
-              <a:buChar char="p"/>
-            </a:pPr>
-            <a:r>
-              <a:rPr kumimoji="1" lang="ja-JP" altLang="en-US" sz="900" dirty="0"/>
-              <a:t>応答係数</a:t>
-            </a:r>
-            <a:endParaRPr kumimoji="1" lang="en-US" altLang="ja-JP" sz="900" dirty="0"/>
-          </a:p>
-        </p:txBody>
-      </p:sp>
-      <p:sp>
-        <p:nvSpPr>
-          <p:cNvPr id="386" name="テキスト ボックス 385">
-            <a:extLst>
-              <a:ext uri="{FF2B5EF4-FFF2-40B4-BE49-F238E27FC236}">
-                <a16:creationId xmlns:a16="http://schemas.microsoft.com/office/drawing/2014/main" id="{C16E7748-BE21-4FDE-8138-88691700B3C7}"/>
-              </a:ext>
-            </a:extLst>
-          </p:cNvPr>
-          <p:cNvSpPr txBox="1"/>
-          <p:nvPr/>
-        </p:nvSpPr>
-        <p:spPr>
-          <a:xfrm>
-            <a:off x="4789932" y="8923318"/>
-            <a:ext cx="476660" cy="211203"/>
-          </a:xfrm>
-          <a:prstGeom prst="rect">
-            <a:avLst/>
-          </a:prstGeom>
-          <a:noFill/>
-        </p:spPr>
-        <p:txBody>
-          <a:bodyPr wrap="none" lIns="36000" tIns="36000" rIns="36000" bIns="36000" rtlCol="0">
-            <a:spAutoFit/>
-          </a:bodyPr>
-          <a:lstStyle/>
-          <a:p>
-            <a:pPr marL="171450" indent="-171450">
-              <a:buFont typeface="Wingdings" panose="05000000000000000000" pitchFamily="2" charset="2"/>
-              <a:buChar char="p"/>
-            </a:pPr>
-            <a:r>
-              <a:rPr kumimoji="1" lang="ja-JP" altLang="en-US" sz="900" dirty="0"/>
-              <a:t>公比</a:t>
-            </a:r>
-            <a:endParaRPr kumimoji="1" lang="en-US" altLang="ja-JP" sz="900" dirty="0"/>
-          </a:p>
-        </p:txBody>
-      </p:sp>
-      <p:sp>
-        <p:nvSpPr>
           <p:cNvPr id="395" name="正方形/長方形 394">
             <a:extLst>
               <a:ext uri="{FF2B5EF4-FFF2-40B4-BE49-F238E27FC236}">
@@ -8556,12 +8382,58 @@
           </a:p>
         </p:txBody>
       </p:sp>
-      <p:sp>
-        <p:nvSpPr>
-          <p:cNvPr id="426" name="正方形/長方形 425">
-            <a:extLst>
-              <a:ext uri="{FF2B5EF4-FFF2-40B4-BE49-F238E27FC236}">
-                <a16:creationId xmlns:a16="http://schemas.microsoft.com/office/drawing/2014/main" id="{F2D87869-AB6D-4C38-A9D0-075C91841564}"/>
+      <p:cxnSp>
+        <p:nvCxnSpPr>
+          <p:cNvPr id="423" name="コネクタ: カギ線 422">
+            <a:extLst>
+              <a:ext uri="{FF2B5EF4-FFF2-40B4-BE49-F238E27FC236}">
+                <a16:creationId xmlns:a16="http://schemas.microsoft.com/office/drawing/2014/main" id="{114DC7E8-D63B-4EA1-AED2-46B103CCB4C8}"/>
+              </a:ext>
+            </a:extLst>
+          </p:cNvPr>
+          <p:cNvCxnSpPr>
+            <a:cxnSpLocks/>
+            <a:stCxn id="46" idx="3"/>
+            <a:endCxn id="216" idx="2"/>
+          </p:cNvCxnSpPr>
+          <p:nvPr/>
+        </p:nvCxnSpPr>
+        <p:spPr>
+          <a:xfrm flipV="1">
+            <a:off x="1810563" y="8019348"/>
+            <a:ext cx="2031133" cy="588357"/>
+          </a:xfrm>
+          <a:prstGeom prst="bentConnector2">
+            <a:avLst/>
+          </a:prstGeom>
+          <a:ln w="12700">
+            <a:solidFill>
+              <a:schemeClr val="accent1"/>
+            </a:solidFill>
+            <a:tailEnd type="triangle"/>
+          </a:ln>
+        </p:spPr>
+        <p:style>
+          <a:lnRef idx="1">
+            <a:schemeClr val="accent1"/>
+          </a:lnRef>
+          <a:fillRef idx="0">
+            <a:schemeClr val="accent1"/>
+          </a:fillRef>
+          <a:effectRef idx="0">
+            <a:schemeClr val="accent1"/>
+          </a:effectRef>
+          <a:fontRef idx="minor">
+            <a:schemeClr val="tx1"/>
+          </a:fontRef>
+        </p:style>
+      </p:cxnSp>
+      <p:sp>
+        <p:nvSpPr>
+          <p:cNvPr id="149" name="正方形/長方形 148">
+            <a:extLst>
+              <a:ext uri="{FF2B5EF4-FFF2-40B4-BE49-F238E27FC236}">
+                <a16:creationId xmlns:a16="http://schemas.microsoft.com/office/drawing/2014/main" id="{DFD1F898-20EB-4A54-8E40-59C94BBC4405}"/>
               </a:ext>
             </a:extLst>
           </p:cNvPr>
@@ -8570,15 +8442,13 @@
         </p:nvSpPr>
         <p:spPr>
           <a:xfrm>
-            <a:off x="2327057" y="8593617"/>
-            <a:ext cx="45719" cy="45719"/>
-          </a:xfrm>
-          <a:prstGeom prst="rect">
-            <a:avLst/>
-          </a:prstGeom>
-          <a:solidFill>
-            <a:schemeClr val="bg1"/>
-          </a:solidFill>
+            <a:off x="1398385" y="7989376"/>
+            <a:ext cx="79243" cy="79243"/>
+          </a:xfrm>
+          <a:prstGeom prst="rect">
+            <a:avLst/>
+          </a:prstGeom>
+          <a:noFill/>
           <a:ln>
             <a:noFill/>
           </a:ln>
@@ -8600,7 +8470,7 @@
           </a:fontRef>
         </p:style>
         <p:txBody>
-          <a:bodyPr rtlCol="0" anchor="ctr"/>
+          <a:bodyPr lIns="36000" tIns="36000" rIns="36000" bIns="36000" rtlCol="0" anchor="ctr"/>
           <a:lstStyle/>
           <a:p>
             <a:pPr algn="ctr"/>
@@ -8608,106 +8478,12 @@
           </a:p>
         </p:txBody>
       </p:sp>
-      <p:cxnSp>
-        <p:nvCxnSpPr>
-          <p:cNvPr id="423" name="コネクタ: カギ線 422">
-            <a:extLst>
-              <a:ext uri="{FF2B5EF4-FFF2-40B4-BE49-F238E27FC236}">
-                <a16:creationId xmlns:a16="http://schemas.microsoft.com/office/drawing/2014/main" id="{114DC7E8-D63B-4EA1-AED2-46B103CCB4C8}"/>
-              </a:ext>
-            </a:extLst>
-          </p:cNvPr>
-          <p:cNvCxnSpPr>
-            <a:cxnSpLocks/>
-            <a:stCxn id="46" idx="3"/>
-            <a:endCxn id="216" idx="2"/>
-          </p:cNvCxnSpPr>
-          <p:nvPr/>
-        </p:nvCxnSpPr>
-        <p:spPr>
-          <a:xfrm flipV="1">
-            <a:off x="1810563" y="8019348"/>
-            <a:ext cx="2031133" cy="588357"/>
-          </a:xfrm>
-          <a:prstGeom prst="bentConnector2">
-            <a:avLst/>
-          </a:prstGeom>
-          <a:ln w="12700">
-            <a:solidFill>
-              <a:schemeClr val="accent1"/>
-            </a:solidFill>
-            <a:tailEnd type="triangle"/>
-          </a:ln>
-        </p:spPr>
-        <p:style>
-          <a:lnRef idx="1">
-            <a:schemeClr val="accent1"/>
-          </a:lnRef>
-          <a:fillRef idx="0">
-            <a:schemeClr val="accent1"/>
-          </a:fillRef>
-          <a:effectRef idx="0">
-            <a:schemeClr val="accent1"/>
-          </a:effectRef>
-          <a:fontRef idx="minor">
-            <a:schemeClr val="tx1"/>
-          </a:fontRef>
-        </p:style>
-      </p:cxnSp>
-      <p:cxnSp>
-        <p:nvCxnSpPr>
-          <p:cNvPr id="132" name="コネクタ: カギ線 131">
-            <a:extLst>
-              <a:ext uri="{FF2B5EF4-FFF2-40B4-BE49-F238E27FC236}">
-                <a16:creationId xmlns:a16="http://schemas.microsoft.com/office/drawing/2014/main" id="{5CE5BF87-6FC6-4641-9103-17ED001A7AE6}"/>
-              </a:ext>
-            </a:extLst>
-          </p:cNvPr>
-          <p:cNvCxnSpPr>
-            <a:cxnSpLocks/>
-            <a:stCxn id="38" idx="3"/>
-            <a:endCxn id="138" idx="1"/>
-          </p:cNvCxnSpPr>
-          <p:nvPr/>
-        </p:nvCxnSpPr>
-        <p:spPr>
-          <a:xfrm>
-            <a:off x="1964451" y="7374602"/>
-            <a:ext cx="1026798" cy="1965560"/>
-          </a:xfrm>
-          <a:prstGeom prst="bentConnector3">
-            <a:avLst>
-              <a:gd name="adj1" fmla="val 39332"/>
-            </a:avLst>
-          </a:prstGeom>
-          <a:ln w="12700">
-            <a:solidFill>
-              <a:srgbClr val="FF0000"/>
-            </a:solidFill>
-            <a:tailEnd type="none"/>
-          </a:ln>
-        </p:spPr>
-        <p:style>
-          <a:lnRef idx="1">
-            <a:schemeClr val="accent1"/>
-          </a:lnRef>
-          <a:fillRef idx="0">
-            <a:schemeClr val="accent1"/>
-          </a:fillRef>
-          <a:effectRef idx="0">
-            <a:schemeClr val="accent1"/>
-          </a:effectRef>
-          <a:fontRef idx="minor">
-            <a:schemeClr val="tx1"/>
-          </a:fontRef>
-        </p:style>
-      </p:cxnSp>
-      <p:sp>
-        <p:nvSpPr>
-          <p:cNvPr id="138" name="正方形/長方形 137">
-            <a:extLst>
-              <a:ext uri="{FF2B5EF4-FFF2-40B4-BE49-F238E27FC236}">
-                <a16:creationId xmlns:a16="http://schemas.microsoft.com/office/drawing/2014/main" id="{ACB59ACF-48AE-4BA9-951E-2413A4B48CE5}"/>
+      <p:sp>
+        <p:nvSpPr>
+          <p:cNvPr id="154" name="正方形/長方形 153">
+            <a:extLst>
+              <a:ext uri="{FF2B5EF4-FFF2-40B4-BE49-F238E27FC236}">
+                <a16:creationId xmlns:a16="http://schemas.microsoft.com/office/drawing/2014/main" id="{DB9A1E7B-AE5E-4D92-80FB-8A9DA2EA9A36}"/>
               </a:ext>
             </a:extLst>
           </p:cNvPr>
@@ -8716,7 +8492,7 @@
         </p:nvSpPr>
         <p:spPr>
           <a:xfrm>
-            <a:off x="2991249" y="9300540"/>
+            <a:off x="1241225" y="10374938"/>
             <a:ext cx="79243" cy="79243"/>
           </a:xfrm>
           <a:prstGeom prst="rect">
@@ -8752,155 +8528,12 @@
           </a:p>
         </p:txBody>
       </p:sp>
-      <p:cxnSp>
-        <p:nvCxnSpPr>
-          <p:cNvPr id="141" name="コネクタ: カギ線 140">
-            <a:extLst>
-              <a:ext uri="{FF2B5EF4-FFF2-40B4-BE49-F238E27FC236}">
-                <a16:creationId xmlns:a16="http://schemas.microsoft.com/office/drawing/2014/main" id="{CAF4247D-746D-4DD9-B78D-31E0D8601FE9}"/>
-              </a:ext>
-            </a:extLst>
-          </p:cNvPr>
-          <p:cNvCxnSpPr>
-            <a:cxnSpLocks/>
-            <a:stCxn id="33" idx="3"/>
-            <a:endCxn id="138" idx="1"/>
-          </p:cNvCxnSpPr>
-          <p:nvPr/>
-        </p:nvCxnSpPr>
-        <p:spPr>
-          <a:xfrm>
-            <a:off x="1964451" y="6323933"/>
-            <a:ext cx="1026798" cy="3016229"/>
-          </a:xfrm>
-          <a:prstGeom prst="bentConnector3">
-            <a:avLst>
-              <a:gd name="adj1" fmla="val 39332"/>
-            </a:avLst>
-          </a:prstGeom>
-          <a:ln w="12700">
-            <a:solidFill>
-              <a:srgbClr val="FF0000"/>
-            </a:solidFill>
-            <a:tailEnd type="none"/>
-          </a:ln>
-        </p:spPr>
-        <p:style>
-          <a:lnRef idx="1">
-            <a:schemeClr val="accent1"/>
-          </a:lnRef>
-          <a:fillRef idx="0">
-            <a:schemeClr val="accent1"/>
-          </a:fillRef>
-          <a:effectRef idx="0">
-            <a:schemeClr val="accent1"/>
-          </a:effectRef>
-          <a:fontRef idx="minor">
-            <a:schemeClr val="tx1"/>
-          </a:fontRef>
-        </p:style>
-      </p:cxnSp>
-      <p:cxnSp>
-        <p:nvCxnSpPr>
-          <p:cNvPr id="144" name="コネクタ: カギ線 143">
-            <a:extLst>
-              <a:ext uri="{FF2B5EF4-FFF2-40B4-BE49-F238E27FC236}">
-                <a16:creationId xmlns:a16="http://schemas.microsoft.com/office/drawing/2014/main" id="{1350BB33-EE70-43D4-9EA5-C452E8C3FA11}"/>
-              </a:ext>
-            </a:extLst>
-          </p:cNvPr>
-          <p:cNvCxnSpPr>
-            <a:cxnSpLocks/>
-            <a:stCxn id="45" idx="3"/>
-          </p:cNvCxnSpPr>
-          <p:nvPr/>
-        </p:nvCxnSpPr>
-        <p:spPr>
-          <a:xfrm>
-            <a:off x="1906743" y="8356022"/>
-            <a:ext cx="1084506" cy="984140"/>
-          </a:xfrm>
-          <a:prstGeom prst="bentConnector3">
-            <a:avLst>
-              <a:gd name="adj1" fmla="val 42095"/>
-            </a:avLst>
-          </a:prstGeom>
-          <a:ln w="12700">
-            <a:solidFill>
-              <a:srgbClr val="FF0000"/>
-            </a:solidFill>
-            <a:tailEnd type="none"/>
-          </a:ln>
-        </p:spPr>
-        <p:style>
-          <a:lnRef idx="1">
-            <a:schemeClr val="accent1"/>
-          </a:lnRef>
-          <a:fillRef idx="0">
-            <a:schemeClr val="accent1"/>
-          </a:fillRef>
-          <a:effectRef idx="0">
-            <a:schemeClr val="accent1"/>
-          </a:effectRef>
-          <a:fontRef idx="minor">
-            <a:schemeClr val="tx1"/>
-          </a:fontRef>
-        </p:style>
-      </p:cxnSp>
-      <p:cxnSp>
-        <p:nvCxnSpPr>
-          <p:cNvPr id="136" name="コネクタ: カギ線 135">
-            <a:extLst>
-              <a:ext uri="{FF2B5EF4-FFF2-40B4-BE49-F238E27FC236}">
-                <a16:creationId xmlns:a16="http://schemas.microsoft.com/office/drawing/2014/main" id="{E85434CE-E37B-43E0-824B-3B6B44CF7D1E}"/>
-              </a:ext>
-            </a:extLst>
-          </p:cNvPr>
-          <p:cNvCxnSpPr>
-            <a:cxnSpLocks/>
-            <a:stCxn id="51" idx="3"/>
-            <a:endCxn id="138" idx="1"/>
-          </p:cNvCxnSpPr>
-          <p:nvPr/>
-        </p:nvCxnSpPr>
-        <p:spPr>
-          <a:xfrm flipV="1">
-            <a:off x="1445078" y="9340162"/>
-            <a:ext cx="1546171" cy="248963"/>
-          </a:xfrm>
-          <a:prstGeom prst="bentConnector3">
-            <a:avLst>
-              <a:gd name="adj1" fmla="val 59857"/>
-            </a:avLst>
-          </a:prstGeom>
-          <a:ln w="12700">
-            <a:solidFill>
-              <a:srgbClr val="FF0000"/>
-            </a:solidFill>
-            <a:tailEnd type="none"/>
-          </a:ln>
-        </p:spPr>
-        <p:style>
-          <a:lnRef idx="1">
-            <a:schemeClr val="accent1"/>
-          </a:lnRef>
-          <a:fillRef idx="0">
-            <a:schemeClr val="accent1"/>
-          </a:fillRef>
-          <a:effectRef idx="0">
-            <a:schemeClr val="accent1"/>
-          </a:effectRef>
-          <a:fontRef idx="minor">
-            <a:schemeClr val="tx1"/>
-          </a:fontRef>
-        </p:style>
-      </p:cxnSp>
-      <p:sp>
-        <p:nvSpPr>
-          <p:cNvPr id="149" name="正方形/長方形 148">
-            <a:extLst>
-              <a:ext uri="{FF2B5EF4-FFF2-40B4-BE49-F238E27FC236}">
-                <a16:creationId xmlns:a16="http://schemas.microsoft.com/office/drawing/2014/main" id="{DFD1F898-20EB-4A54-8E40-59C94BBC4405}"/>
+      <p:sp>
+        <p:nvSpPr>
+          <p:cNvPr id="159" name="正方形/長方形 158">
+            <a:extLst>
+              <a:ext uri="{FF2B5EF4-FFF2-40B4-BE49-F238E27FC236}">
+                <a16:creationId xmlns:a16="http://schemas.microsoft.com/office/drawing/2014/main" id="{D3A07BD0-57CC-44C4-8202-1FA1AFAEE181}"/>
               </a:ext>
             </a:extLst>
           </p:cNvPr>
@@ -8909,7 +8542,7 @@
         </p:nvSpPr>
         <p:spPr>
           <a:xfrm>
-            <a:off x="1398385" y="7989376"/>
+            <a:off x="1241225" y="10461419"/>
             <a:ext cx="79243" cy="79243"/>
           </a:xfrm>
           <a:prstGeom prst="rect">
@@ -8945,60 +8578,12 @@
           </a:p>
         </p:txBody>
       </p:sp>
-      <p:cxnSp>
-        <p:nvCxnSpPr>
-          <p:cNvPr id="151" name="コネクタ: カギ線 150">
-            <a:extLst>
-              <a:ext uri="{FF2B5EF4-FFF2-40B4-BE49-F238E27FC236}">
-                <a16:creationId xmlns:a16="http://schemas.microsoft.com/office/drawing/2014/main" id="{DAF54520-9C7D-45C6-8EED-083BDF61A469}"/>
-              </a:ext>
-            </a:extLst>
-          </p:cNvPr>
-          <p:cNvCxnSpPr>
-            <a:cxnSpLocks/>
-            <a:stCxn id="149" idx="3"/>
-            <a:endCxn id="138" idx="1"/>
-          </p:cNvCxnSpPr>
-          <p:nvPr/>
-        </p:nvCxnSpPr>
-        <p:spPr>
-          <a:xfrm>
-            <a:off x="1477628" y="8028998"/>
-            <a:ext cx="1513621" cy="1311164"/>
-          </a:xfrm>
-          <a:prstGeom prst="bentConnector3">
-            <a:avLst>
-              <a:gd name="adj1" fmla="val 58810"/>
-            </a:avLst>
-          </a:prstGeom>
-          <a:ln w="12700">
-            <a:solidFill>
-              <a:srgbClr val="FF0000"/>
-            </a:solidFill>
-            <a:tailEnd type="none"/>
-          </a:ln>
-        </p:spPr>
-        <p:style>
-          <a:lnRef idx="1">
-            <a:schemeClr val="accent1"/>
-          </a:lnRef>
-          <a:fillRef idx="0">
-            <a:schemeClr val="accent1"/>
-          </a:fillRef>
-          <a:effectRef idx="0">
-            <a:schemeClr val="accent1"/>
-          </a:effectRef>
-          <a:fontRef idx="minor">
-            <a:schemeClr val="tx1"/>
-          </a:fontRef>
-        </p:style>
-      </p:cxnSp>
-      <p:sp>
-        <p:nvSpPr>
-          <p:cNvPr id="154" name="正方形/長方形 153">
-            <a:extLst>
-              <a:ext uri="{FF2B5EF4-FFF2-40B4-BE49-F238E27FC236}">
-                <a16:creationId xmlns:a16="http://schemas.microsoft.com/office/drawing/2014/main" id="{DB9A1E7B-AE5E-4D92-80FB-8A9DA2EA9A36}"/>
+      <p:sp>
+        <p:nvSpPr>
+          <p:cNvPr id="195" name="正方形/長方形 194">
+            <a:extLst>
+              <a:ext uri="{FF2B5EF4-FFF2-40B4-BE49-F238E27FC236}">
+                <a16:creationId xmlns:a16="http://schemas.microsoft.com/office/drawing/2014/main" id="{AC245592-48A3-453A-9F44-F6A6B27595FD}"/>
               </a:ext>
             </a:extLst>
           </p:cNvPr>
@@ -9007,7 +8592,7 @@
         </p:nvSpPr>
         <p:spPr>
           <a:xfrm>
-            <a:off x="1241225" y="10374938"/>
+            <a:off x="1823034" y="7046086"/>
             <a:ext cx="79243" cy="79243"/>
           </a:xfrm>
           <a:prstGeom prst="rect">
@@ -9045,10 +8630,10 @@
       </p:sp>
       <p:sp>
         <p:nvSpPr>
-          <p:cNvPr id="159" name="正方形/長方形 158">
-            <a:extLst>
-              <a:ext uri="{FF2B5EF4-FFF2-40B4-BE49-F238E27FC236}">
-                <a16:creationId xmlns:a16="http://schemas.microsoft.com/office/drawing/2014/main" id="{D3A07BD0-57CC-44C4-8202-1FA1AFAEE181}"/>
+          <p:cNvPr id="200" name="正方形/長方形 199">
+            <a:extLst>
+              <a:ext uri="{FF2B5EF4-FFF2-40B4-BE49-F238E27FC236}">
+                <a16:creationId xmlns:a16="http://schemas.microsoft.com/office/drawing/2014/main" id="{0AEEA51F-52D3-4E1F-A5F5-C7DC443A427F}"/>
               </a:ext>
             </a:extLst>
           </p:cNvPr>
@@ -9057,7 +8642,7 @@
         </p:nvSpPr>
         <p:spPr>
           <a:xfrm>
-            <a:off x="1241225" y="10461419"/>
+            <a:off x="1823034" y="7120331"/>
             <a:ext cx="79243" cy="79243"/>
           </a:xfrm>
           <a:prstGeom prst="rect">
@@ -9095,10 +8680,10 @@
       </p:sp>
       <p:sp>
         <p:nvSpPr>
-          <p:cNvPr id="168" name="正方形/長方形 167">
-            <a:extLst>
-              <a:ext uri="{FF2B5EF4-FFF2-40B4-BE49-F238E27FC236}">
-                <a16:creationId xmlns:a16="http://schemas.microsoft.com/office/drawing/2014/main" id="{46CD18B3-37F2-493B-96DC-39FFC47E7538}"/>
+          <p:cNvPr id="214" name="正方形/長方形 213">
+            <a:extLst>
+              <a:ext uri="{FF2B5EF4-FFF2-40B4-BE49-F238E27FC236}">
+                <a16:creationId xmlns:a16="http://schemas.microsoft.com/office/drawing/2014/main" id="{7D106D55-2377-44F7-84F7-20A143C8D6A3}"/>
               </a:ext>
             </a:extLst>
           </p:cNvPr>
@@ -9107,13 +8692,15 @@
         </p:nvSpPr>
         <p:spPr>
           <a:xfrm>
-            <a:off x="2906952" y="9300540"/>
-            <a:ext cx="79243" cy="79243"/>
-          </a:xfrm>
-          <a:prstGeom prst="rect">
-            <a:avLst/>
-          </a:prstGeom>
-          <a:noFill/>
+            <a:off x="2321739" y="8590827"/>
+            <a:ext cx="45719" cy="45719"/>
+          </a:xfrm>
+          <a:prstGeom prst="rect">
+            <a:avLst/>
+          </a:prstGeom>
+          <a:solidFill>
+            <a:schemeClr val="bg1"/>
+          </a:solidFill>
           <a:ln>
             <a:noFill/>
           </a:ln>
@@ -9135,7 +8722,7 @@
           </a:fontRef>
         </p:style>
         <p:txBody>
-          <a:bodyPr lIns="36000" tIns="36000" rIns="36000" bIns="36000" rtlCol="0" anchor="ctr"/>
+          <a:bodyPr rtlCol="0" anchor="ctr"/>
           <a:lstStyle/>
           <a:p>
             <a:pPr algn="ctr"/>
@@ -9143,108 +8730,12 @@
           </a:p>
         </p:txBody>
       </p:sp>
-      <p:cxnSp>
-        <p:nvCxnSpPr>
-          <p:cNvPr id="169" name="コネクタ: カギ線 168">
-            <a:extLst>
-              <a:ext uri="{FF2B5EF4-FFF2-40B4-BE49-F238E27FC236}">
-                <a16:creationId xmlns:a16="http://schemas.microsoft.com/office/drawing/2014/main" id="{CE7CEB7D-0C50-446D-9950-8765895CA48F}"/>
-              </a:ext>
-            </a:extLst>
-          </p:cNvPr>
-          <p:cNvCxnSpPr>
-            <a:cxnSpLocks/>
-            <a:stCxn id="168" idx="3"/>
-            <a:endCxn id="385" idx="1"/>
-          </p:cNvCxnSpPr>
-          <p:nvPr/>
-        </p:nvCxnSpPr>
-        <p:spPr>
-          <a:xfrm flipV="1">
-            <a:off x="2986195" y="8818638"/>
-            <a:ext cx="1803737" cy="521524"/>
-          </a:xfrm>
-          <a:prstGeom prst="bentConnector3">
-            <a:avLst>
-              <a:gd name="adj1" fmla="val 65314"/>
-            </a:avLst>
-          </a:prstGeom>
-          <a:ln w="12700">
-            <a:solidFill>
-              <a:srgbClr val="FF0000"/>
-            </a:solidFill>
-            <a:tailEnd type="triangle"/>
-          </a:ln>
-        </p:spPr>
-        <p:style>
-          <a:lnRef idx="1">
-            <a:schemeClr val="accent1"/>
-          </a:lnRef>
-          <a:fillRef idx="0">
-            <a:schemeClr val="accent1"/>
-          </a:fillRef>
-          <a:effectRef idx="0">
-            <a:schemeClr val="accent1"/>
-          </a:effectRef>
-          <a:fontRef idx="minor">
-            <a:schemeClr val="tx1"/>
-          </a:fontRef>
-        </p:style>
-      </p:cxnSp>
-      <p:cxnSp>
-        <p:nvCxnSpPr>
-          <p:cNvPr id="172" name="コネクタ: カギ線 171">
-            <a:extLst>
-              <a:ext uri="{FF2B5EF4-FFF2-40B4-BE49-F238E27FC236}">
-                <a16:creationId xmlns:a16="http://schemas.microsoft.com/office/drawing/2014/main" id="{60C57EDA-7387-4BAF-9377-8DCAE99AA2C6}"/>
-              </a:ext>
-            </a:extLst>
-          </p:cNvPr>
-          <p:cNvCxnSpPr>
-            <a:cxnSpLocks/>
-            <a:stCxn id="168" idx="3"/>
-            <a:endCxn id="386" idx="1"/>
-          </p:cNvCxnSpPr>
-          <p:nvPr/>
-        </p:nvCxnSpPr>
-        <p:spPr>
-          <a:xfrm flipV="1">
-            <a:off x="2986195" y="9028920"/>
-            <a:ext cx="1803737" cy="311242"/>
-          </a:xfrm>
-          <a:prstGeom prst="bentConnector3">
-            <a:avLst>
-              <a:gd name="adj1" fmla="val 65314"/>
-            </a:avLst>
-          </a:prstGeom>
-          <a:ln w="12700">
-            <a:solidFill>
-              <a:srgbClr val="FF0000"/>
-            </a:solidFill>
-            <a:tailEnd type="triangle"/>
-          </a:ln>
-        </p:spPr>
-        <p:style>
-          <a:lnRef idx="1">
-            <a:schemeClr val="accent1"/>
-          </a:lnRef>
-          <a:fillRef idx="0">
-            <a:schemeClr val="accent1"/>
-          </a:fillRef>
-          <a:effectRef idx="0">
-            <a:schemeClr val="accent1"/>
-          </a:effectRef>
-          <a:fontRef idx="minor">
-            <a:schemeClr val="tx1"/>
-          </a:fontRef>
-        </p:style>
-      </p:cxnSp>
-      <p:sp>
-        <p:nvSpPr>
-          <p:cNvPr id="195" name="正方形/長方形 194">
-            <a:extLst>
-              <a:ext uri="{FF2B5EF4-FFF2-40B4-BE49-F238E27FC236}">
-                <a16:creationId xmlns:a16="http://schemas.microsoft.com/office/drawing/2014/main" id="{AC245592-48A3-453A-9F44-F6A6B27595FD}"/>
+      <p:sp>
+        <p:nvSpPr>
+          <p:cNvPr id="215" name="正方形/長方形 214">
+            <a:extLst>
+              <a:ext uri="{FF2B5EF4-FFF2-40B4-BE49-F238E27FC236}">
+                <a16:creationId xmlns:a16="http://schemas.microsoft.com/office/drawing/2014/main" id="{E0920A48-3893-496F-B589-5764B623C9D7}"/>
               </a:ext>
             </a:extLst>
           </p:cNvPr>
@@ -9253,13 +8744,15 @@
         </p:nvSpPr>
         <p:spPr>
           <a:xfrm>
-            <a:off x="1823034" y="7046086"/>
-            <a:ext cx="79243" cy="79243"/>
-          </a:xfrm>
-          <a:prstGeom prst="rect">
-            <a:avLst/>
-          </a:prstGeom>
-          <a:noFill/>
+            <a:off x="2321739" y="7851237"/>
+            <a:ext cx="45719" cy="45719"/>
+          </a:xfrm>
+          <a:prstGeom prst="rect">
+            <a:avLst/>
+          </a:prstGeom>
+          <a:solidFill>
+            <a:schemeClr val="bg1"/>
+          </a:solidFill>
           <a:ln>
             <a:noFill/>
           </a:ln>
@@ -9281,7 +8774,7 @@
           </a:fontRef>
         </p:style>
         <p:txBody>
-          <a:bodyPr lIns="36000" tIns="36000" rIns="36000" bIns="36000" rtlCol="0" anchor="ctr"/>
+          <a:bodyPr rtlCol="0" anchor="ctr"/>
           <a:lstStyle/>
           <a:p>
             <a:pPr algn="ctr"/>
@@ -9291,10 +8784,10 @@
       </p:sp>
       <p:sp>
         <p:nvSpPr>
-          <p:cNvPr id="200" name="正方形/長方形 199">
-            <a:extLst>
-              <a:ext uri="{FF2B5EF4-FFF2-40B4-BE49-F238E27FC236}">
-                <a16:creationId xmlns:a16="http://schemas.microsoft.com/office/drawing/2014/main" id="{0AEEA51F-52D3-4E1F-A5F5-C7DC443A427F}"/>
+          <p:cNvPr id="218" name="正方形/長方形 217">
+            <a:extLst>
+              <a:ext uri="{FF2B5EF4-FFF2-40B4-BE49-F238E27FC236}">
+                <a16:creationId xmlns:a16="http://schemas.microsoft.com/office/drawing/2014/main" id="{CCDFEFA2-B855-4E3C-A817-F3B2B3C614FD}"/>
               </a:ext>
             </a:extLst>
           </p:cNvPr>
@@ -9303,13 +8796,15 @@
         </p:nvSpPr>
         <p:spPr>
           <a:xfrm>
-            <a:off x="1823034" y="7120331"/>
-            <a:ext cx="79243" cy="79243"/>
-          </a:xfrm>
-          <a:prstGeom prst="rect">
-            <a:avLst/>
-          </a:prstGeom>
-          <a:noFill/>
+            <a:off x="2486839" y="9319936"/>
+            <a:ext cx="45719" cy="45719"/>
+          </a:xfrm>
+          <a:prstGeom prst="rect">
+            <a:avLst/>
+          </a:prstGeom>
+          <a:solidFill>
+            <a:schemeClr val="bg1"/>
+          </a:solidFill>
           <a:ln>
             <a:noFill/>
           </a:ln>
@@ -9331,7 +8826,7 @@
           </a:fontRef>
         </p:style>
         <p:txBody>
-          <a:bodyPr lIns="36000" tIns="36000" rIns="36000" bIns="36000" rtlCol="0" anchor="ctr"/>
+          <a:bodyPr rtlCol="0" anchor="ctr"/>
           <a:lstStyle/>
           <a:p>
             <a:pPr algn="ctr"/>
@@ -9339,878 +8834,6 @@
           </a:p>
         </p:txBody>
       </p:sp>
-      <p:sp>
-        <p:nvSpPr>
-          <p:cNvPr id="286" name="正方形/長方形 285">
-            <a:extLst>
-              <a:ext uri="{FF2B5EF4-FFF2-40B4-BE49-F238E27FC236}">
-                <a16:creationId xmlns:a16="http://schemas.microsoft.com/office/drawing/2014/main" id="{A105E074-CF39-40BD-9589-E0B2E8191F43}"/>
-              </a:ext>
-            </a:extLst>
-          </p:cNvPr>
-          <p:cNvSpPr/>
-          <p:nvPr/>
-        </p:nvSpPr>
-        <p:spPr>
-          <a:xfrm>
-            <a:off x="2345618" y="7960385"/>
-            <a:ext cx="45719" cy="45719"/>
-          </a:xfrm>
-          <a:prstGeom prst="rect">
-            <a:avLst/>
-          </a:prstGeom>
-          <a:solidFill>
-            <a:schemeClr val="bg1"/>
-          </a:solidFill>
-          <a:ln>
-            <a:noFill/>
-          </a:ln>
-        </p:spPr>
-        <p:style>
-          <a:lnRef idx="2">
-            <a:schemeClr val="accent1">
-              <a:shade val="50000"/>
-            </a:schemeClr>
-          </a:lnRef>
-          <a:fillRef idx="1">
-            <a:schemeClr val="accent1"/>
-          </a:fillRef>
-          <a:effectRef idx="0">
-            <a:schemeClr val="accent1"/>
-          </a:effectRef>
-          <a:fontRef idx="minor">
-            <a:schemeClr val="lt1"/>
-          </a:fontRef>
-        </p:style>
-        <p:txBody>
-          <a:bodyPr rtlCol="0" anchor="ctr"/>
-          <a:lstStyle/>
-          <a:p>
-            <a:pPr algn="ctr"/>
-            <a:endParaRPr kumimoji="1" lang="ja-JP" altLang="en-US"/>
-          </a:p>
-        </p:txBody>
-      </p:sp>
-      <p:sp>
-        <p:nvSpPr>
-          <p:cNvPr id="210" name="正方形/長方形 209">
-            <a:extLst>
-              <a:ext uri="{FF2B5EF4-FFF2-40B4-BE49-F238E27FC236}">
-                <a16:creationId xmlns:a16="http://schemas.microsoft.com/office/drawing/2014/main" id="{2F12E957-FE26-439A-8E3C-AEC59DDCEB31}"/>
-              </a:ext>
-            </a:extLst>
-          </p:cNvPr>
-          <p:cNvSpPr/>
-          <p:nvPr/>
-        </p:nvSpPr>
-        <p:spPr>
-          <a:xfrm>
-            <a:off x="2345618" y="7860693"/>
-            <a:ext cx="45719" cy="45719"/>
-          </a:xfrm>
-          <a:prstGeom prst="rect">
-            <a:avLst/>
-          </a:prstGeom>
-          <a:solidFill>
-            <a:schemeClr val="bg1"/>
-          </a:solidFill>
-          <a:ln>
-            <a:noFill/>
-          </a:ln>
-        </p:spPr>
-        <p:style>
-          <a:lnRef idx="2">
-            <a:schemeClr val="accent1">
-              <a:shade val="50000"/>
-            </a:schemeClr>
-          </a:lnRef>
-          <a:fillRef idx="1">
-            <a:schemeClr val="accent1"/>
-          </a:fillRef>
-          <a:effectRef idx="0">
-            <a:schemeClr val="accent1"/>
-          </a:effectRef>
-          <a:fontRef idx="minor">
-            <a:schemeClr val="lt1"/>
-          </a:fontRef>
-        </p:style>
-        <p:txBody>
-          <a:bodyPr rtlCol="0" anchor="ctr"/>
-          <a:lstStyle/>
-          <a:p>
-            <a:pPr algn="ctr"/>
-            <a:endParaRPr kumimoji="1" lang="ja-JP" altLang="en-US"/>
-          </a:p>
-        </p:txBody>
-      </p:sp>
-      <p:sp>
-        <p:nvSpPr>
-          <p:cNvPr id="212" name="正方形/長方形 211">
-            <a:extLst>
-              <a:ext uri="{FF2B5EF4-FFF2-40B4-BE49-F238E27FC236}">
-                <a16:creationId xmlns:a16="http://schemas.microsoft.com/office/drawing/2014/main" id="{A35C20C4-D8C9-4AE9-99FD-82B5DB0753ED}"/>
-              </a:ext>
-            </a:extLst>
-          </p:cNvPr>
-          <p:cNvSpPr/>
-          <p:nvPr/>
-        </p:nvSpPr>
-        <p:spPr>
-          <a:xfrm>
-            <a:off x="2345618" y="8147245"/>
-            <a:ext cx="45719" cy="45719"/>
-          </a:xfrm>
-          <a:prstGeom prst="rect">
-            <a:avLst/>
-          </a:prstGeom>
-          <a:solidFill>
-            <a:schemeClr val="bg1"/>
-          </a:solidFill>
-          <a:ln>
-            <a:noFill/>
-          </a:ln>
-        </p:spPr>
-        <p:style>
-          <a:lnRef idx="2">
-            <a:schemeClr val="accent1">
-              <a:shade val="50000"/>
-            </a:schemeClr>
-          </a:lnRef>
-          <a:fillRef idx="1">
-            <a:schemeClr val="accent1"/>
-          </a:fillRef>
-          <a:effectRef idx="0">
-            <a:schemeClr val="accent1"/>
-          </a:effectRef>
-          <a:fontRef idx="minor">
-            <a:schemeClr val="lt1"/>
-          </a:fontRef>
-        </p:style>
-        <p:txBody>
-          <a:bodyPr rtlCol="0" anchor="ctr"/>
-          <a:lstStyle/>
-          <a:p>
-            <a:pPr algn="ctr"/>
-            <a:endParaRPr kumimoji="1" lang="ja-JP" altLang="en-US"/>
-          </a:p>
-        </p:txBody>
-      </p:sp>
-      <p:sp>
-        <p:nvSpPr>
-          <p:cNvPr id="213" name="正方形/長方形 212">
-            <a:extLst>
-              <a:ext uri="{FF2B5EF4-FFF2-40B4-BE49-F238E27FC236}">
-                <a16:creationId xmlns:a16="http://schemas.microsoft.com/office/drawing/2014/main" id="{E4E51BEE-35BE-47DA-9AE0-2DE0F46DD135}"/>
-              </a:ext>
-            </a:extLst>
-          </p:cNvPr>
-          <p:cNvSpPr/>
-          <p:nvPr/>
-        </p:nvSpPr>
-        <p:spPr>
-          <a:xfrm>
-            <a:off x="2345618" y="8584845"/>
-            <a:ext cx="45719" cy="45719"/>
-          </a:xfrm>
-          <a:prstGeom prst="rect">
-            <a:avLst/>
-          </a:prstGeom>
-          <a:solidFill>
-            <a:schemeClr val="bg1"/>
-          </a:solidFill>
-          <a:ln>
-            <a:noFill/>
-          </a:ln>
-        </p:spPr>
-        <p:style>
-          <a:lnRef idx="2">
-            <a:schemeClr val="accent1">
-              <a:shade val="50000"/>
-            </a:schemeClr>
-          </a:lnRef>
-          <a:fillRef idx="1">
-            <a:schemeClr val="accent1"/>
-          </a:fillRef>
-          <a:effectRef idx="0">
-            <a:schemeClr val="accent1"/>
-          </a:effectRef>
-          <a:fontRef idx="minor">
-            <a:schemeClr val="lt1"/>
-          </a:fontRef>
-        </p:style>
-        <p:txBody>
-          <a:bodyPr rtlCol="0" anchor="ctr"/>
-          <a:lstStyle/>
-          <a:p>
-            <a:pPr algn="ctr"/>
-            <a:endParaRPr kumimoji="1" lang="ja-JP" altLang="en-US"/>
-          </a:p>
-        </p:txBody>
-      </p:sp>
-      <p:sp>
-        <p:nvSpPr>
-          <p:cNvPr id="214" name="正方形/長方形 213">
-            <a:extLst>
-              <a:ext uri="{FF2B5EF4-FFF2-40B4-BE49-F238E27FC236}">
-                <a16:creationId xmlns:a16="http://schemas.microsoft.com/office/drawing/2014/main" id="{7D106D55-2377-44F7-84F7-20A143C8D6A3}"/>
-              </a:ext>
-            </a:extLst>
-          </p:cNvPr>
-          <p:cNvSpPr/>
-          <p:nvPr/>
-        </p:nvSpPr>
-        <p:spPr>
-          <a:xfrm>
-            <a:off x="2486839" y="8590827"/>
-            <a:ext cx="45719" cy="45719"/>
-          </a:xfrm>
-          <a:prstGeom prst="rect">
-            <a:avLst/>
-          </a:prstGeom>
-          <a:solidFill>
-            <a:schemeClr val="bg1"/>
-          </a:solidFill>
-          <a:ln>
-            <a:noFill/>
-          </a:ln>
-        </p:spPr>
-        <p:style>
-          <a:lnRef idx="2">
-            <a:schemeClr val="accent1">
-              <a:shade val="50000"/>
-            </a:schemeClr>
-          </a:lnRef>
-          <a:fillRef idx="1">
-            <a:schemeClr val="accent1"/>
-          </a:fillRef>
-          <a:effectRef idx="0">
-            <a:schemeClr val="accent1"/>
-          </a:effectRef>
-          <a:fontRef idx="minor">
-            <a:schemeClr val="lt1"/>
-          </a:fontRef>
-        </p:style>
-        <p:txBody>
-          <a:bodyPr rtlCol="0" anchor="ctr"/>
-          <a:lstStyle/>
-          <a:p>
-            <a:pPr algn="ctr"/>
-            <a:endParaRPr kumimoji="1" lang="ja-JP" altLang="en-US"/>
-          </a:p>
-        </p:txBody>
-      </p:sp>
-      <p:sp>
-        <p:nvSpPr>
-          <p:cNvPr id="215" name="正方形/長方形 214">
-            <a:extLst>
-              <a:ext uri="{FF2B5EF4-FFF2-40B4-BE49-F238E27FC236}">
-                <a16:creationId xmlns:a16="http://schemas.microsoft.com/office/drawing/2014/main" id="{E0920A48-3893-496F-B589-5764B623C9D7}"/>
-              </a:ext>
-            </a:extLst>
-          </p:cNvPr>
-          <p:cNvSpPr/>
-          <p:nvPr/>
-        </p:nvSpPr>
-        <p:spPr>
-          <a:xfrm>
-            <a:off x="2486839" y="7705187"/>
-            <a:ext cx="45719" cy="45719"/>
-          </a:xfrm>
-          <a:prstGeom prst="rect">
-            <a:avLst/>
-          </a:prstGeom>
-          <a:solidFill>
-            <a:schemeClr val="bg1"/>
-          </a:solidFill>
-          <a:ln>
-            <a:noFill/>
-          </a:ln>
-        </p:spPr>
-        <p:style>
-          <a:lnRef idx="2">
-            <a:schemeClr val="accent1">
-              <a:shade val="50000"/>
-            </a:schemeClr>
-          </a:lnRef>
-          <a:fillRef idx="1">
-            <a:schemeClr val="accent1"/>
-          </a:fillRef>
-          <a:effectRef idx="0">
-            <a:schemeClr val="accent1"/>
-          </a:effectRef>
-          <a:fontRef idx="minor">
-            <a:schemeClr val="lt1"/>
-          </a:fontRef>
-        </p:style>
-        <p:txBody>
-          <a:bodyPr rtlCol="0" anchor="ctr"/>
-          <a:lstStyle/>
-          <a:p>
-            <a:pPr algn="ctr"/>
-            <a:endParaRPr kumimoji="1" lang="ja-JP" altLang="en-US"/>
-          </a:p>
-        </p:txBody>
-      </p:sp>
-      <p:sp>
-        <p:nvSpPr>
-          <p:cNvPr id="217" name="正方形/長方形 216">
-            <a:extLst>
-              <a:ext uri="{FF2B5EF4-FFF2-40B4-BE49-F238E27FC236}">
-                <a16:creationId xmlns:a16="http://schemas.microsoft.com/office/drawing/2014/main" id="{69C495AE-62DE-4E6E-BE94-C0CFF1B250AE}"/>
-              </a:ext>
-            </a:extLst>
-          </p:cNvPr>
-          <p:cNvSpPr/>
-          <p:nvPr/>
-        </p:nvSpPr>
-        <p:spPr>
-          <a:xfrm>
-            <a:off x="2485205" y="8007720"/>
-            <a:ext cx="45719" cy="45719"/>
-          </a:xfrm>
-          <a:prstGeom prst="rect">
-            <a:avLst/>
-          </a:prstGeom>
-          <a:solidFill>
-            <a:schemeClr val="bg1"/>
-          </a:solidFill>
-          <a:ln>
-            <a:noFill/>
-          </a:ln>
-        </p:spPr>
-        <p:style>
-          <a:lnRef idx="2">
-            <a:schemeClr val="accent1">
-              <a:shade val="50000"/>
-            </a:schemeClr>
-          </a:lnRef>
-          <a:fillRef idx="1">
-            <a:schemeClr val="accent1"/>
-          </a:fillRef>
-          <a:effectRef idx="0">
-            <a:schemeClr val="accent1"/>
-          </a:effectRef>
-          <a:fontRef idx="minor">
-            <a:schemeClr val="lt1"/>
-          </a:fontRef>
-        </p:style>
-        <p:txBody>
-          <a:bodyPr rtlCol="0" anchor="ctr"/>
-          <a:lstStyle/>
-          <a:p>
-            <a:pPr algn="ctr"/>
-            <a:endParaRPr kumimoji="1" lang="ja-JP" altLang="en-US"/>
-          </a:p>
-        </p:txBody>
-      </p:sp>
-      <p:sp>
-        <p:nvSpPr>
-          <p:cNvPr id="218" name="正方形/長方形 217">
-            <a:extLst>
-              <a:ext uri="{FF2B5EF4-FFF2-40B4-BE49-F238E27FC236}">
-                <a16:creationId xmlns:a16="http://schemas.microsoft.com/office/drawing/2014/main" id="{CCDFEFA2-B855-4E3C-A817-F3B2B3C614FD}"/>
-              </a:ext>
-            </a:extLst>
-          </p:cNvPr>
-          <p:cNvSpPr/>
-          <p:nvPr/>
-        </p:nvSpPr>
-        <p:spPr>
-          <a:xfrm>
-            <a:off x="2486839" y="9319936"/>
-            <a:ext cx="45719" cy="45719"/>
-          </a:xfrm>
-          <a:prstGeom prst="rect">
-            <a:avLst/>
-          </a:prstGeom>
-          <a:solidFill>
-            <a:schemeClr val="bg1"/>
-          </a:solidFill>
-          <a:ln>
-            <a:noFill/>
-          </a:ln>
-        </p:spPr>
-        <p:style>
-          <a:lnRef idx="2">
-            <a:schemeClr val="accent1">
-              <a:shade val="50000"/>
-            </a:schemeClr>
-          </a:lnRef>
-          <a:fillRef idx="1">
-            <a:schemeClr val="accent1"/>
-          </a:fillRef>
-          <a:effectRef idx="0">
-            <a:schemeClr val="accent1"/>
-          </a:effectRef>
-          <a:fontRef idx="minor">
-            <a:schemeClr val="lt1"/>
-          </a:fontRef>
-        </p:style>
-        <p:txBody>
-          <a:bodyPr rtlCol="0" anchor="ctr"/>
-          <a:lstStyle/>
-          <a:p>
-            <a:pPr algn="ctr"/>
-            <a:endParaRPr kumimoji="1" lang="ja-JP" altLang="en-US"/>
-          </a:p>
-        </p:txBody>
-      </p:sp>
-      <p:sp>
-        <p:nvSpPr>
-          <p:cNvPr id="219" name="正方形/長方形 218">
-            <a:extLst>
-              <a:ext uri="{FF2B5EF4-FFF2-40B4-BE49-F238E27FC236}">
-                <a16:creationId xmlns:a16="http://schemas.microsoft.com/office/drawing/2014/main" id="{E4BCE53A-AED7-4AC4-A915-428CB514B7B0}"/>
-              </a:ext>
-            </a:extLst>
-          </p:cNvPr>
-          <p:cNvSpPr/>
-          <p:nvPr/>
-        </p:nvSpPr>
-        <p:spPr>
-          <a:xfrm>
-            <a:off x="2345618" y="9017443"/>
-            <a:ext cx="45719" cy="45719"/>
-          </a:xfrm>
-          <a:prstGeom prst="rect">
-            <a:avLst/>
-          </a:prstGeom>
-          <a:solidFill>
-            <a:schemeClr val="bg1"/>
-          </a:solidFill>
-          <a:ln>
-            <a:noFill/>
-          </a:ln>
-        </p:spPr>
-        <p:style>
-          <a:lnRef idx="2">
-            <a:schemeClr val="accent1">
-              <a:shade val="50000"/>
-            </a:schemeClr>
-          </a:lnRef>
-          <a:fillRef idx="1">
-            <a:schemeClr val="accent1"/>
-          </a:fillRef>
-          <a:effectRef idx="0">
-            <a:schemeClr val="accent1"/>
-          </a:effectRef>
-          <a:fontRef idx="minor">
-            <a:schemeClr val="lt1"/>
-          </a:fontRef>
-        </p:style>
-        <p:txBody>
-          <a:bodyPr rtlCol="0" anchor="ctr"/>
-          <a:lstStyle/>
-          <a:p>
-            <a:pPr algn="ctr"/>
-            <a:endParaRPr kumimoji="1" lang="ja-JP" altLang="en-US"/>
-          </a:p>
-        </p:txBody>
-      </p:sp>
-      <p:sp>
-        <p:nvSpPr>
-          <p:cNvPr id="220" name="正方形/長方形 219">
-            <a:extLst>
-              <a:ext uri="{FF2B5EF4-FFF2-40B4-BE49-F238E27FC236}">
-                <a16:creationId xmlns:a16="http://schemas.microsoft.com/office/drawing/2014/main" id="{FC62E7DF-C672-4EF4-B5CE-1CDDAB71C361}"/>
-              </a:ext>
-            </a:extLst>
-          </p:cNvPr>
-          <p:cNvSpPr/>
-          <p:nvPr/>
-        </p:nvSpPr>
-        <p:spPr>
-          <a:xfrm>
-            <a:off x="2345618" y="9204115"/>
-            <a:ext cx="45719" cy="45719"/>
-          </a:xfrm>
-          <a:prstGeom prst="rect">
-            <a:avLst/>
-          </a:prstGeom>
-          <a:solidFill>
-            <a:schemeClr val="bg1"/>
-          </a:solidFill>
-          <a:ln>
-            <a:noFill/>
-          </a:ln>
-        </p:spPr>
-        <p:style>
-          <a:lnRef idx="2">
-            <a:schemeClr val="accent1">
-              <a:shade val="50000"/>
-            </a:schemeClr>
-          </a:lnRef>
-          <a:fillRef idx="1">
-            <a:schemeClr val="accent1"/>
-          </a:fillRef>
-          <a:effectRef idx="0">
-            <a:schemeClr val="accent1"/>
-          </a:effectRef>
-          <a:fontRef idx="minor">
-            <a:schemeClr val="lt1"/>
-          </a:fontRef>
-        </p:style>
-        <p:txBody>
-          <a:bodyPr rtlCol="0" anchor="ctr"/>
-          <a:lstStyle/>
-          <a:p>
-            <a:pPr algn="ctr"/>
-            <a:endParaRPr kumimoji="1" lang="ja-JP" altLang="en-US"/>
-          </a:p>
-        </p:txBody>
-      </p:sp>
-      <p:sp>
-        <p:nvSpPr>
-          <p:cNvPr id="221" name="正方形/長方形 220">
-            <a:extLst>
-              <a:ext uri="{FF2B5EF4-FFF2-40B4-BE49-F238E27FC236}">
-                <a16:creationId xmlns:a16="http://schemas.microsoft.com/office/drawing/2014/main" id="{12C01578-6F9F-405B-AFB0-A9D754B2D05F}"/>
-              </a:ext>
-            </a:extLst>
-          </p:cNvPr>
-          <p:cNvSpPr/>
-          <p:nvPr/>
-        </p:nvSpPr>
-        <p:spPr>
-          <a:xfrm>
-            <a:off x="2345618" y="9379781"/>
-            <a:ext cx="45719" cy="45719"/>
-          </a:xfrm>
-          <a:prstGeom prst="rect">
-            <a:avLst/>
-          </a:prstGeom>
-          <a:solidFill>
-            <a:schemeClr val="bg1"/>
-          </a:solidFill>
-          <a:ln>
-            <a:noFill/>
-          </a:ln>
-        </p:spPr>
-        <p:style>
-          <a:lnRef idx="2">
-            <a:schemeClr val="accent1">
-              <a:shade val="50000"/>
-            </a:schemeClr>
-          </a:lnRef>
-          <a:fillRef idx="1">
-            <a:schemeClr val="accent1"/>
-          </a:fillRef>
-          <a:effectRef idx="0">
-            <a:schemeClr val="accent1"/>
-          </a:effectRef>
-          <a:fontRef idx="minor">
-            <a:schemeClr val="lt1"/>
-          </a:fontRef>
-        </p:style>
-        <p:txBody>
-          <a:bodyPr rtlCol="0" anchor="ctr"/>
-          <a:lstStyle/>
-          <a:p>
-            <a:pPr algn="ctr"/>
-            <a:endParaRPr kumimoji="1" lang="ja-JP" altLang="en-US"/>
-          </a:p>
-        </p:txBody>
-      </p:sp>
-      <p:sp>
-        <p:nvSpPr>
-          <p:cNvPr id="222" name="正方形/長方形 221">
-            <a:extLst>
-              <a:ext uri="{FF2B5EF4-FFF2-40B4-BE49-F238E27FC236}">
-                <a16:creationId xmlns:a16="http://schemas.microsoft.com/office/drawing/2014/main" id="{52E1EECE-E5C3-454D-A26E-705916027A6A}"/>
-              </a:ext>
-            </a:extLst>
-          </p:cNvPr>
-          <p:cNvSpPr/>
-          <p:nvPr/>
-        </p:nvSpPr>
-        <p:spPr>
-          <a:xfrm>
-            <a:off x="2345618" y="7138538"/>
-            <a:ext cx="45719" cy="45719"/>
-          </a:xfrm>
-          <a:prstGeom prst="rect">
-            <a:avLst/>
-          </a:prstGeom>
-          <a:solidFill>
-            <a:schemeClr val="bg1"/>
-          </a:solidFill>
-          <a:ln>
-            <a:noFill/>
-          </a:ln>
-        </p:spPr>
-        <p:style>
-          <a:lnRef idx="2">
-            <a:schemeClr val="accent1">
-              <a:shade val="50000"/>
-            </a:schemeClr>
-          </a:lnRef>
-          <a:fillRef idx="1">
-            <a:schemeClr val="accent1"/>
-          </a:fillRef>
-          <a:effectRef idx="0">
-            <a:schemeClr val="accent1"/>
-          </a:effectRef>
-          <a:fontRef idx="minor">
-            <a:schemeClr val="lt1"/>
-          </a:fontRef>
-        </p:style>
-        <p:txBody>
-          <a:bodyPr rtlCol="0" anchor="ctr"/>
-          <a:lstStyle/>
-          <a:p>
-            <a:pPr algn="ctr"/>
-            <a:endParaRPr kumimoji="1" lang="ja-JP" altLang="en-US"/>
-          </a:p>
-        </p:txBody>
-      </p:sp>
-      <p:sp>
-        <p:nvSpPr>
-          <p:cNvPr id="223" name="正方形/長方形 222">
-            <a:extLst>
-              <a:ext uri="{FF2B5EF4-FFF2-40B4-BE49-F238E27FC236}">
-                <a16:creationId xmlns:a16="http://schemas.microsoft.com/office/drawing/2014/main" id="{0A27E217-E75F-45B0-993A-F292E61AFD69}"/>
-              </a:ext>
-            </a:extLst>
-          </p:cNvPr>
-          <p:cNvSpPr/>
-          <p:nvPr/>
-        </p:nvSpPr>
-        <p:spPr>
-          <a:xfrm>
-            <a:off x="2345618" y="6915206"/>
-            <a:ext cx="45719" cy="45719"/>
-          </a:xfrm>
-          <a:prstGeom prst="rect">
-            <a:avLst/>
-          </a:prstGeom>
-          <a:solidFill>
-            <a:schemeClr val="bg1"/>
-          </a:solidFill>
-          <a:ln>
-            <a:noFill/>
-          </a:ln>
-        </p:spPr>
-        <p:style>
-          <a:lnRef idx="2">
-            <a:schemeClr val="accent1">
-              <a:shade val="50000"/>
-            </a:schemeClr>
-          </a:lnRef>
-          <a:fillRef idx="1">
-            <a:schemeClr val="accent1"/>
-          </a:fillRef>
-          <a:effectRef idx="0">
-            <a:schemeClr val="accent1"/>
-          </a:effectRef>
-          <a:fontRef idx="minor">
-            <a:schemeClr val="lt1"/>
-          </a:fontRef>
-        </p:style>
-        <p:txBody>
-          <a:bodyPr rtlCol="0" anchor="ctr"/>
-          <a:lstStyle/>
-          <a:p>
-            <a:pPr algn="ctr"/>
-            <a:endParaRPr kumimoji="1" lang="ja-JP" altLang="en-US"/>
-          </a:p>
-        </p:txBody>
-      </p:sp>
-      <p:sp>
-        <p:nvSpPr>
-          <p:cNvPr id="224" name="正方形/長方形 223">
-            <a:extLst>
-              <a:ext uri="{FF2B5EF4-FFF2-40B4-BE49-F238E27FC236}">
-                <a16:creationId xmlns:a16="http://schemas.microsoft.com/office/drawing/2014/main" id="{3CD69527-5428-4F49-9242-870487D396D5}"/>
-              </a:ext>
-            </a:extLst>
-          </p:cNvPr>
-          <p:cNvSpPr/>
-          <p:nvPr/>
-        </p:nvSpPr>
-        <p:spPr>
-          <a:xfrm>
-            <a:off x="2345618" y="6739108"/>
-            <a:ext cx="45719" cy="45719"/>
-          </a:xfrm>
-          <a:prstGeom prst="rect">
-            <a:avLst/>
-          </a:prstGeom>
-          <a:solidFill>
-            <a:schemeClr val="bg1"/>
-          </a:solidFill>
-          <a:ln>
-            <a:noFill/>
-          </a:ln>
-        </p:spPr>
-        <p:style>
-          <a:lnRef idx="2">
-            <a:schemeClr val="accent1">
-              <a:shade val="50000"/>
-            </a:schemeClr>
-          </a:lnRef>
-          <a:fillRef idx="1">
-            <a:schemeClr val="accent1"/>
-          </a:fillRef>
-          <a:effectRef idx="0">
-            <a:schemeClr val="accent1"/>
-          </a:effectRef>
-          <a:fontRef idx="minor">
-            <a:schemeClr val="lt1"/>
-          </a:fontRef>
-        </p:style>
-        <p:txBody>
-          <a:bodyPr rtlCol="0" anchor="ctr"/>
-          <a:lstStyle/>
-          <a:p>
-            <a:pPr algn="ctr"/>
-            <a:endParaRPr kumimoji="1" lang="ja-JP" altLang="en-US"/>
-          </a:p>
-        </p:txBody>
-      </p:sp>
-      <p:cxnSp>
-        <p:nvCxnSpPr>
-          <p:cNvPr id="150" name="コネクタ: カギ線 149">
-            <a:extLst>
-              <a:ext uri="{FF2B5EF4-FFF2-40B4-BE49-F238E27FC236}">
-                <a16:creationId xmlns:a16="http://schemas.microsoft.com/office/drawing/2014/main" id="{D74164A8-2689-4DE7-AEAF-DACE3B7F0E4F}"/>
-              </a:ext>
-            </a:extLst>
-          </p:cNvPr>
-          <p:cNvCxnSpPr>
-            <a:cxnSpLocks/>
-            <a:stCxn id="195" idx="3"/>
-            <a:endCxn id="138" idx="1"/>
-          </p:cNvCxnSpPr>
-          <p:nvPr/>
-        </p:nvCxnSpPr>
-        <p:spPr>
-          <a:xfrm>
-            <a:off x="1902277" y="7085708"/>
-            <a:ext cx="1088972" cy="2254454"/>
-          </a:xfrm>
-          <a:prstGeom prst="bentConnector3">
-            <a:avLst>
-              <a:gd name="adj1" fmla="val 42565"/>
-            </a:avLst>
-          </a:prstGeom>
-          <a:ln w="12700">
-            <a:solidFill>
-              <a:srgbClr val="FF0000"/>
-            </a:solidFill>
-            <a:tailEnd type="none"/>
-          </a:ln>
-        </p:spPr>
-        <p:style>
-          <a:lnRef idx="1">
-            <a:schemeClr val="accent1"/>
-          </a:lnRef>
-          <a:fillRef idx="0">
-            <a:schemeClr val="accent1"/>
-          </a:fillRef>
-          <a:effectRef idx="0">
-            <a:schemeClr val="accent1"/>
-          </a:effectRef>
-          <a:fontRef idx="minor">
-            <a:schemeClr val="tx1"/>
-          </a:fontRef>
-        </p:style>
-      </p:cxnSp>
-      <p:cxnSp>
-        <p:nvCxnSpPr>
-          <p:cNvPr id="139" name="コネクタ: カギ線 138">
-            <a:extLst>
-              <a:ext uri="{FF2B5EF4-FFF2-40B4-BE49-F238E27FC236}">
-                <a16:creationId xmlns:a16="http://schemas.microsoft.com/office/drawing/2014/main" id="{326C1140-DCB5-4BAF-B46D-2D8F66DE0FA9}"/>
-              </a:ext>
-            </a:extLst>
-          </p:cNvPr>
-          <p:cNvCxnSpPr>
-            <a:cxnSpLocks/>
-            <a:stCxn id="57" idx="3"/>
-            <a:endCxn id="138" idx="1"/>
-          </p:cNvCxnSpPr>
-          <p:nvPr/>
-        </p:nvCxnSpPr>
-        <p:spPr>
-          <a:xfrm flipV="1">
-            <a:off x="1964451" y="9340162"/>
-            <a:ext cx="1026798" cy="865514"/>
-          </a:xfrm>
-          <a:prstGeom prst="bentConnector3">
-            <a:avLst>
-              <a:gd name="adj1" fmla="val 39332"/>
-            </a:avLst>
-          </a:prstGeom>
-          <a:ln w="12700">
-            <a:solidFill>
-              <a:srgbClr val="FF0000"/>
-            </a:solidFill>
-            <a:tailEnd type="none"/>
-          </a:ln>
-        </p:spPr>
-        <p:style>
-          <a:lnRef idx="1">
-            <a:schemeClr val="accent1"/>
-          </a:lnRef>
-          <a:fillRef idx="0">
-            <a:schemeClr val="accent1"/>
-          </a:fillRef>
-          <a:effectRef idx="0">
-            <a:schemeClr val="accent1"/>
-          </a:effectRef>
-          <a:fontRef idx="minor">
-            <a:schemeClr val="tx1"/>
-          </a:fontRef>
-        </p:style>
-      </p:cxnSp>
-      <p:cxnSp>
-        <p:nvCxnSpPr>
-          <p:cNvPr id="147" name="コネクタ: カギ線 146">
-            <a:extLst>
-              <a:ext uri="{FF2B5EF4-FFF2-40B4-BE49-F238E27FC236}">
-                <a16:creationId xmlns:a16="http://schemas.microsoft.com/office/drawing/2014/main" id="{AF900B5E-0979-49FC-8494-9D48110EDD47}"/>
-              </a:ext>
-            </a:extLst>
-          </p:cNvPr>
-          <p:cNvCxnSpPr>
-            <a:cxnSpLocks/>
-            <a:stCxn id="32" idx="3"/>
-            <a:endCxn id="138" idx="1"/>
-          </p:cNvCxnSpPr>
-          <p:nvPr/>
-        </p:nvCxnSpPr>
-        <p:spPr>
-          <a:xfrm>
-            <a:off x="1906743" y="6072250"/>
-            <a:ext cx="1084506" cy="3267912"/>
-          </a:xfrm>
-          <a:prstGeom prst="bentConnector3">
-            <a:avLst>
-              <a:gd name="adj1" fmla="val 42535"/>
-            </a:avLst>
-          </a:prstGeom>
-          <a:ln w="12700">
-            <a:solidFill>
-              <a:srgbClr val="FF0000"/>
-            </a:solidFill>
-            <a:tailEnd type="none"/>
-          </a:ln>
-        </p:spPr>
-        <p:style>
-          <a:lnRef idx="1">
-            <a:schemeClr val="accent1"/>
-          </a:lnRef>
-          <a:fillRef idx="0">
-            <a:schemeClr val="accent1"/>
-          </a:fillRef>
-          <a:effectRef idx="0">
-            <a:schemeClr val="accent1"/>
-          </a:effectRef>
-          <a:fontRef idx="minor">
-            <a:schemeClr val="tx1"/>
-          </a:fontRef>
-        </p:style>
-      </p:cxnSp>
       <p:cxnSp>
         <p:nvCxnSpPr>
           <p:cNvPr id="233" name="コネクタ: カギ線 232">
@@ -10223,19 +8846,17 @@
           <p:cNvCxnSpPr>
             <a:cxnSpLocks/>
             <a:stCxn id="154" idx="3"/>
-            <a:endCxn id="166" idx="1"/>
+            <a:endCxn id="166" idx="2"/>
           </p:cNvCxnSpPr>
           <p:nvPr/>
         </p:nvCxnSpPr>
         <p:spPr>
           <a:xfrm flipV="1">
-            <a:off x="1320468" y="5884805"/>
-            <a:ext cx="2340519" cy="4529755"/>
-          </a:xfrm>
-          <a:prstGeom prst="bentConnector3">
-            <a:avLst>
-              <a:gd name="adj1" fmla="val 50814"/>
-            </a:avLst>
+            <a:off x="1320468" y="5803569"/>
+            <a:ext cx="1024780" cy="4610991"/>
+          </a:xfrm>
+          <a:prstGeom prst="bentConnector2">
+            <a:avLst/>
           </a:prstGeom>
           <a:ln w="12700">
             <a:solidFill>
@@ -10420,19 +9041,17 @@
           <p:cNvCxnSpPr>
             <a:cxnSpLocks/>
             <a:stCxn id="316" idx="3"/>
-            <a:endCxn id="258" idx="1"/>
+            <a:endCxn id="258" idx="0"/>
           </p:cNvCxnSpPr>
           <p:nvPr/>
         </p:nvCxnSpPr>
         <p:spPr>
           <a:xfrm>
-            <a:off x="5260888" y="4402485"/>
-            <a:ext cx="2699147" cy="270696"/>
-          </a:xfrm>
-          <a:prstGeom prst="bentConnector3">
-            <a:avLst>
-              <a:gd name="adj1" fmla="val 47442"/>
-            </a:avLst>
+            <a:off x="5260888" y="3549824"/>
+            <a:ext cx="1986482" cy="1138772"/>
+          </a:xfrm>
+          <a:prstGeom prst="bentConnector2">
+            <a:avLst/>
           </a:prstGeom>
           <a:ln w="12700">
             <a:solidFill>
@@ -10468,19 +9087,17 @@
           <p:cNvCxnSpPr>
             <a:cxnSpLocks/>
             <a:stCxn id="315" idx="3"/>
-            <a:endCxn id="258" idx="1"/>
+            <a:endCxn id="258" idx="0"/>
           </p:cNvCxnSpPr>
           <p:nvPr/>
         </p:nvCxnSpPr>
         <p:spPr>
           <a:xfrm>
-            <a:off x="6145745" y="4612778"/>
-            <a:ext cx="1814290" cy="60403"/>
-          </a:xfrm>
-          <a:prstGeom prst="bentConnector3">
-            <a:avLst>
-              <a:gd name="adj1" fmla="val 21781"/>
-            </a:avLst>
+            <a:off x="6145745" y="3754536"/>
+            <a:ext cx="1101625" cy="934060"/>
+          </a:xfrm>
+          <a:prstGeom prst="bentConnector2">
+            <a:avLst/>
           </a:prstGeom>
           <a:ln w="12700">
             <a:solidFill>
@@ -10516,19 +9133,17 @@
           <p:cNvCxnSpPr>
             <a:cxnSpLocks/>
             <a:stCxn id="317" idx="3"/>
-            <a:endCxn id="258" idx="1"/>
+            <a:endCxn id="258" idx="0"/>
           </p:cNvCxnSpPr>
           <p:nvPr/>
         </p:nvCxnSpPr>
         <p:spPr>
-          <a:xfrm flipV="1">
-            <a:off x="5491720" y="4673181"/>
-            <a:ext cx="2468315" cy="149890"/>
-          </a:xfrm>
-          <a:prstGeom prst="bentConnector3">
-            <a:avLst>
-              <a:gd name="adj1" fmla="val 42572"/>
-            </a:avLst>
+          <a:xfrm>
+            <a:off x="5491720" y="3959248"/>
+            <a:ext cx="1755650" cy="729348"/>
+          </a:xfrm>
+          <a:prstGeom prst="bentConnector2">
+            <a:avLst/>
           </a:prstGeom>
           <a:ln w="12700">
             <a:solidFill>
@@ -10564,19 +9179,17 @@
           <p:cNvCxnSpPr>
             <a:cxnSpLocks/>
             <a:stCxn id="407" idx="3"/>
-            <a:endCxn id="258" idx="1"/>
+            <a:endCxn id="258" idx="0"/>
           </p:cNvCxnSpPr>
           <p:nvPr/>
         </p:nvCxnSpPr>
         <p:spPr>
           <a:xfrm>
             <a:off x="5122490" y="874002"/>
-            <a:ext cx="2837545" cy="3799179"/>
-          </a:xfrm>
-          <a:prstGeom prst="bentConnector3">
-            <a:avLst>
-              <a:gd name="adj1" fmla="val 50000"/>
-            </a:avLst>
+            <a:ext cx="2124880" cy="3814594"/>
+          </a:xfrm>
+          <a:prstGeom prst="bentConnector2">
+            <a:avLst/>
           </a:prstGeom>
           <a:ln w="12700">
             <a:solidFill>
@@ -11109,7 +9722,7 @@
         </p:nvSpPr>
         <p:spPr>
           <a:xfrm>
-            <a:off x="7960035" y="4633559"/>
+            <a:off x="7207748" y="4688596"/>
             <a:ext cx="79243" cy="79243"/>
           </a:xfrm>
           <a:prstGeom prst="rect">
@@ -11159,7 +9772,7 @@
         </p:nvSpPr>
         <p:spPr>
           <a:xfrm>
-            <a:off x="7880167" y="4633559"/>
+            <a:off x="7167542" y="4633559"/>
             <a:ext cx="79243" cy="79243"/>
           </a:xfrm>
           <a:prstGeom prst="rect">
@@ -11213,8 +9826,8 @@
         </p:nvCxnSpPr>
         <p:spPr>
           <a:xfrm flipV="1">
-            <a:off x="7959410" y="4672160"/>
-            <a:ext cx="1924798" cy="1021"/>
+            <a:off x="7246785" y="4672160"/>
+            <a:ext cx="2637423" cy="1021"/>
           </a:xfrm>
           <a:prstGeom prst="bentConnector3">
             <a:avLst>
@@ -11526,19 +10139,17 @@
           <p:cNvCxnSpPr>
             <a:cxnSpLocks/>
             <a:stCxn id="63" idx="3"/>
-            <a:endCxn id="355" idx="1"/>
+            <a:endCxn id="355" idx="0"/>
           </p:cNvCxnSpPr>
           <p:nvPr/>
         </p:nvCxnSpPr>
         <p:spPr>
           <a:xfrm>
             <a:off x="5782928" y="3013053"/>
-            <a:ext cx="1536339" cy="1843452"/>
-          </a:xfrm>
-          <a:prstGeom prst="bentConnector3">
-            <a:avLst>
-              <a:gd name="adj1" fmla="val 65128"/>
-            </a:avLst>
+            <a:ext cx="927679" cy="1850854"/>
+          </a:xfrm>
+          <a:prstGeom prst="bentConnector2">
+            <a:avLst/>
           </a:prstGeom>
           <a:ln w="12700">
             <a:solidFill>
@@ -11575,19 +10186,17 @@
           <p:cNvCxnSpPr>
             <a:cxnSpLocks/>
             <a:stCxn id="332" idx="3"/>
-            <a:endCxn id="355" idx="1"/>
+            <a:endCxn id="355" idx="0"/>
           </p:cNvCxnSpPr>
           <p:nvPr/>
         </p:nvCxnSpPr>
         <p:spPr>
-          <a:xfrm flipV="1">
-            <a:off x="5385389" y="4856505"/>
-            <a:ext cx="1933878" cy="807738"/>
-          </a:xfrm>
-          <a:prstGeom prst="bentConnector3">
-            <a:avLst>
-              <a:gd name="adj1" fmla="val 72131"/>
-            </a:avLst>
+          <a:xfrm>
+            <a:off x="5385389" y="4573384"/>
+            <a:ext cx="1325218" cy="290523"/>
+          </a:xfrm>
+          <a:prstGeom prst="bentConnector2">
+            <a:avLst/>
           </a:prstGeom>
           <a:ln w="12700">
             <a:solidFill>
@@ -12534,19 +11143,17 @@
           <p:cNvCxnSpPr>
             <a:cxnSpLocks/>
             <a:stCxn id="69" idx="3"/>
-            <a:endCxn id="393" idx="1"/>
+            <a:endCxn id="393" idx="0"/>
           </p:cNvCxnSpPr>
           <p:nvPr/>
         </p:nvCxnSpPr>
         <p:spPr>
           <a:xfrm>
             <a:off x="6191694" y="1458680"/>
-            <a:ext cx="2092609" cy="4473981"/>
-          </a:xfrm>
-          <a:prstGeom prst="bentConnector3">
-            <a:avLst>
-              <a:gd name="adj1" fmla="val 52428"/>
-            </a:avLst>
+            <a:ext cx="1278877" cy="4484415"/>
+          </a:xfrm>
+          <a:prstGeom prst="bentConnector2">
+            <a:avLst/>
           </a:prstGeom>
           <a:ln w="12700">
             <a:solidFill>
@@ -12582,19 +11189,17 @@
           <p:cNvCxnSpPr>
             <a:cxnSpLocks/>
             <a:stCxn id="498" idx="3"/>
-            <a:endCxn id="393" idx="1"/>
+            <a:endCxn id="393" idx="0"/>
           </p:cNvCxnSpPr>
           <p:nvPr/>
         </p:nvCxnSpPr>
         <p:spPr>
           <a:xfrm>
             <a:off x="5831018" y="1705097"/>
-            <a:ext cx="2453285" cy="4227564"/>
-          </a:xfrm>
-          <a:prstGeom prst="bentConnector3">
-            <a:avLst>
-              <a:gd name="adj1" fmla="val 59318"/>
-            </a:avLst>
+            <a:ext cx="1639553" cy="4237998"/>
+          </a:xfrm>
+          <a:prstGeom prst="bentConnector2">
+            <a:avLst/>
           </a:prstGeom>
           <a:ln w="12700">
             <a:solidFill>
@@ -12760,7 +11365,7 @@
         </p:nvSpPr>
         <p:spPr>
           <a:xfrm>
-            <a:off x="7319267" y="4816883"/>
+            <a:off x="6670985" y="4863907"/>
             <a:ext cx="79243" cy="79243"/>
           </a:xfrm>
           <a:prstGeom prst="rect">
@@ -12810,7 +11415,7 @@
         </p:nvSpPr>
         <p:spPr>
           <a:xfrm>
-            <a:off x="7235605" y="4816883"/>
+            <a:off x="6620041" y="4816883"/>
             <a:ext cx="79243" cy="79243"/>
           </a:xfrm>
           <a:prstGeom prst="rect">
@@ -12864,8 +11469,8 @@
         </p:nvCxnSpPr>
         <p:spPr>
           <a:xfrm>
-            <a:off x="7314848" y="4856505"/>
-            <a:ext cx="2569360" cy="0"/>
+            <a:off x="6699284" y="4856505"/>
+            <a:ext cx="3184924" cy="0"/>
           </a:xfrm>
           <a:prstGeom prst="bentConnector3">
             <a:avLst>
@@ -13240,19 +11845,17 @@
           <p:cNvCxnSpPr>
             <a:cxnSpLocks/>
             <a:stCxn id="62" idx="3"/>
-            <a:endCxn id="393" idx="1"/>
+            <a:endCxn id="393" idx="0"/>
           </p:cNvCxnSpPr>
           <p:nvPr/>
         </p:nvCxnSpPr>
         <p:spPr>
           <a:xfrm>
             <a:off x="5926388" y="2699134"/>
-            <a:ext cx="2357915" cy="3233527"/>
-          </a:xfrm>
-          <a:prstGeom prst="bentConnector3">
-            <a:avLst>
-              <a:gd name="adj1" fmla="val 57810"/>
-            </a:avLst>
+            <a:ext cx="1544183" cy="3243961"/>
+          </a:xfrm>
+          <a:prstGeom prst="bentConnector2">
+            <a:avLst/>
           </a:prstGeom>
           <a:ln w="12700">
             <a:solidFill>
@@ -13290,7 +11893,7 @@
         </p:nvSpPr>
         <p:spPr>
           <a:xfrm>
-            <a:off x="8284303" y="5893039"/>
+            <a:off x="7430949" y="5943095"/>
             <a:ext cx="79243" cy="79243"/>
           </a:xfrm>
           <a:prstGeom prst="rect">
@@ -13438,19 +12041,17 @@
           <p:cNvCxnSpPr>
             <a:cxnSpLocks/>
             <a:stCxn id="404" idx="3"/>
-            <a:endCxn id="393" idx="1"/>
+            <a:endCxn id="393" idx="0"/>
           </p:cNvCxnSpPr>
           <p:nvPr/>
         </p:nvCxnSpPr>
         <p:spPr>
           <a:xfrm>
             <a:off x="5122490" y="743361"/>
-            <a:ext cx="3161813" cy="5189300"/>
-          </a:xfrm>
-          <a:prstGeom prst="bentConnector3">
-            <a:avLst>
-              <a:gd name="adj1" fmla="val 68477"/>
-            </a:avLst>
+            <a:ext cx="2348081" cy="5199734"/>
+          </a:xfrm>
+          <a:prstGeom prst="bentConnector2">
+            <a:avLst/>
           </a:prstGeom>
           <a:ln w="12700">
             <a:solidFill>
@@ -13492,8 +12093,8 @@
         </p:nvCxnSpPr>
         <p:spPr>
           <a:xfrm>
-            <a:off x="8270108" y="5932661"/>
-            <a:ext cx="4612541" cy="1522"/>
+            <a:off x="7463089" y="5932661"/>
+            <a:ext cx="5419560" cy="1522"/>
           </a:xfrm>
           <a:prstGeom prst="bentConnector3">
             <a:avLst>
@@ -13536,7 +12137,7 @@
         </p:nvSpPr>
         <p:spPr>
           <a:xfrm>
-            <a:off x="8190865" y="5893039"/>
+            <a:off x="7383846" y="5893039"/>
             <a:ext cx="79243" cy="79243"/>
           </a:xfrm>
           <a:prstGeom prst="rect">
@@ -13590,12 +12191,12 @@
         </p:nvCxnSpPr>
         <p:spPr>
           <a:xfrm>
-            <a:off x="8270108" y="5932661"/>
-            <a:ext cx="4612541" cy="218380"/>
+            <a:off x="7463089" y="5932661"/>
+            <a:ext cx="5419560" cy="218380"/>
           </a:xfrm>
           <a:prstGeom prst="bentConnector3">
             <a:avLst>
-              <a:gd name="adj1" fmla="val 89235"/>
+              <a:gd name="adj1" fmla="val 50000"/>
             </a:avLst>
           </a:prstGeom>
           <a:ln w="12700">
@@ -13638,12 +12239,12 @@
         </p:nvCxnSpPr>
         <p:spPr>
           <a:xfrm>
-            <a:off x="8270108" y="5932661"/>
-            <a:ext cx="4612541" cy="436584"/>
+            <a:off x="7463089" y="5932661"/>
+            <a:ext cx="5419560" cy="436584"/>
           </a:xfrm>
           <a:prstGeom prst="bentConnector3">
             <a:avLst>
-              <a:gd name="adj1" fmla="val 89235"/>
+              <a:gd name="adj1" fmla="val 50000"/>
             </a:avLst>
           </a:prstGeom>
           <a:ln w="12700">
@@ -13686,12 +12287,12 @@
         </p:nvCxnSpPr>
         <p:spPr>
           <a:xfrm>
-            <a:off x="8270108" y="5932661"/>
-            <a:ext cx="4612541" cy="655622"/>
+            <a:off x="7463089" y="5932661"/>
+            <a:ext cx="5419560" cy="655622"/>
           </a:xfrm>
           <a:prstGeom prst="bentConnector3">
             <a:avLst>
-              <a:gd name="adj1" fmla="val 89235"/>
+              <a:gd name="adj1" fmla="val 50000"/>
             </a:avLst>
           </a:prstGeom>
           <a:ln w="12700">
@@ -14014,7 +12615,7 @@
         </p:nvSpPr>
         <p:spPr>
           <a:xfrm>
-            <a:off x="8284303" y="6983270"/>
+            <a:off x="7772528" y="7021370"/>
             <a:ext cx="79243" cy="79243"/>
           </a:xfrm>
           <a:prstGeom prst="rect">
@@ -14064,7 +12665,7 @@
         </p:nvSpPr>
         <p:spPr>
           <a:xfrm>
-            <a:off x="8190865" y="6983270"/>
+            <a:off x="7713096" y="6983270"/>
             <a:ext cx="79243" cy="79243"/>
           </a:xfrm>
           <a:prstGeom prst="rect">
@@ -14112,19 +12713,17 @@
           <p:cNvCxnSpPr>
             <a:cxnSpLocks/>
             <a:stCxn id="65" idx="3"/>
-            <a:endCxn id="485" idx="1"/>
+            <a:endCxn id="485" idx="0"/>
           </p:cNvCxnSpPr>
           <p:nvPr/>
         </p:nvCxnSpPr>
         <p:spPr>
           <a:xfrm>
             <a:off x="6438556" y="2086518"/>
-            <a:ext cx="1845747" cy="4936374"/>
-          </a:xfrm>
-          <a:prstGeom prst="bentConnector3">
-            <a:avLst>
-              <a:gd name="adj1" fmla="val 58257"/>
-            </a:avLst>
+            <a:ext cx="1373594" cy="4934852"/>
+          </a:xfrm>
+          <a:prstGeom prst="bentConnector2">
+            <a:avLst/>
           </a:prstGeom>
           <a:ln w="12700">
             <a:solidFill>
@@ -14162,19 +12761,17 @@
           <p:cNvCxnSpPr>
             <a:cxnSpLocks/>
             <a:stCxn id="100" idx="3"/>
-            <a:endCxn id="485" idx="1"/>
+            <a:endCxn id="485" idx="0"/>
           </p:cNvCxnSpPr>
           <p:nvPr/>
         </p:nvCxnSpPr>
         <p:spPr>
           <a:xfrm>
             <a:off x="5122490" y="806455"/>
-            <a:ext cx="3161813" cy="6216437"/>
-          </a:xfrm>
-          <a:prstGeom prst="bentConnector3">
-            <a:avLst>
-              <a:gd name="adj1" fmla="val 75506"/>
-            </a:avLst>
+            <a:ext cx="2689660" cy="6214915"/>
+          </a:xfrm>
+          <a:prstGeom prst="bentConnector2">
+            <a:avLst/>
           </a:prstGeom>
           <a:ln w="12700">
             <a:solidFill>
@@ -14312,19 +12909,17 @@
           <p:cNvCxnSpPr>
             <a:cxnSpLocks/>
             <a:stCxn id="499" idx="3"/>
-            <a:endCxn id="485" idx="1"/>
+            <a:endCxn id="485" idx="0"/>
           </p:cNvCxnSpPr>
           <p:nvPr/>
         </p:nvCxnSpPr>
         <p:spPr>
           <a:xfrm>
             <a:off x="5831018" y="1838579"/>
-            <a:ext cx="2453285" cy="5184313"/>
-          </a:xfrm>
-          <a:prstGeom prst="bentConnector3">
-            <a:avLst>
-              <a:gd name="adj1" fmla="val 68636"/>
-            </a:avLst>
+            <a:ext cx="1981132" cy="5182791"/>
+          </a:xfrm>
+          <a:prstGeom prst="bentConnector2">
+            <a:avLst/>
           </a:prstGeom>
           <a:ln w="12700">
             <a:solidFill>
@@ -14368,12 +12963,12 @@
         </p:nvCxnSpPr>
         <p:spPr>
           <a:xfrm>
-            <a:off x="8270108" y="7022892"/>
-            <a:ext cx="4612541" cy="420087"/>
+            <a:off x="7792339" y="7022892"/>
+            <a:ext cx="5090310" cy="420087"/>
           </a:xfrm>
           <a:prstGeom prst="bentConnector3">
             <a:avLst>
-              <a:gd name="adj1" fmla="val 88960"/>
+              <a:gd name="adj1" fmla="val 50000"/>
             </a:avLst>
           </a:prstGeom>
           <a:ln w="12700">
@@ -14418,8 +13013,8 @@
         </p:nvCxnSpPr>
         <p:spPr>
           <a:xfrm>
-            <a:off x="8270108" y="7022892"/>
-            <a:ext cx="4612541" cy="1440"/>
+            <a:off x="7792339" y="7022892"/>
+            <a:ext cx="5090310" cy="1440"/>
           </a:xfrm>
           <a:prstGeom prst="bentConnector3">
             <a:avLst>
@@ -14468,12 +13063,12 @@
         </p:nvCxnSpPr>
         <p:spPr>
           <a:xfrm>
-            <a:off x="8270108" y="7022892"/>
-            <a:ext cx="4612541" cy="210923"/>
+            <a:off x="7792339" y="7022892"/>
+            <a:ext cx="5090310" cy="210923"/>
           </a:xfrm>
           <a:prstGeom prst="bentConnector3">
             <a:avLst>
-              <a:gd name="adj1" fmla="val 88960"/>
+              <a:gd name="adj1" fmla="val 50000"/>
             </a:avLst>
           </a:prstGeom>
           <a:ln w="12700">
@@ -15341,6 +13936,1634 @@
           </a:p>
         </p:txBody>
       </p:sp>
+      <p:sp>
+        <p:nvSpPr>
+          <p:cNvPr id="246" name="テキスト ボックス 245">
+            <a:extLst>
+              <a:ext uri="{FF2B5EF4-FFF2-40B4-BE49-F238E27FC236}">
+                <a16:creationId xmlns:a16="http://schemas.microsoft.com/office/drawing/2014/main" id="{A3376760-5C60-404D-9484-744965FB897E}"/>
+              </a:ext>
+            </a:extLst>
+          </p:cNvPr>
+          <p:cNvSpPr txBox="1"/>
+          <p:nvPr/>
+        </p:nvSpPr>
+        <p:spPr>
+          <a:xfrm>
+            <a:off x="737586" y="6080218"/>
+            <a:ext cx="1053741" cy="211203"/>
+          </a:xfrm>
+          <a:prstGeom prst="rect">
+            <a:avLst/>
+          </a:prstGeom>
+          <a:noFill/>
+        </p:spPr>
+        <p:txBody>
+          <a:bodyPr wrap="none" lIns="36000" tIns="36000" rIns="36000" bIns="36000" rtlCol="0">
+            <a:spAutoFit/>
+          </a:bodyPr>
+          <a:lstStyle/>
+          <a:p>
+            <a:pPr marL="171450" indent="-171450">
+              <a:buFont typeface="Wingdings" panose="05000000000000000000" pitchFamily="2" charset="2"/>
+              <a:buChar char=""/>
+            </a:pPr>
+            <a:r>
+              <a:rPr kumimoji="1" lang="ja-JP" altLang="en-US" sz="900" dirty="0">
+                <a:solidFill>
+                  <a:srgbClr val="FF0000"/>
+                </a:solidFill>
+              </a:rPr>
+              <a:t>室外熱伝達抵抗</a:t>
+            </a:r>
+            <a:endParaRPr kumimoji="1" lang="en-US" altLang="ja-JP" sz="900" dirty="0">
+              <a:solidFill>
+                <a:srgbClr val="FF0000"/>
+              </a:solidFill>
+            </a:endParaRPr>
+          </a:p>
+        </p:txBody>
+      </p:sp>
+      <p:sp>
+        <p:nvSpPr>
+          <p:cNvPr id="247" name="テキスト ボックス 246">
+            <a:extLst>
+              <a:ext uri="{FF2B5EF4-FFF2-40B4-BE49-F238E27FC236}">
+                <a16:creationId xmlns:a16="http://schemas.microsoft.com/office/drawing/2014/main" id="{8BDFB171-B490-409F-BD8D-A4E262B53493}"/>
+              </a:ext>
+            </a:extLst>
+          </p:cNvPr>
+          <p:cNvSpPr txBox="1"/>
+          <p:nvPr/>
+        </p:nvSpPr>
+        <p:spPr>
+          <a:xfrm>
+            <a:off x="737586" y="7062924"/>
+            <a:ext cx="1053741" cy="211203"/>
+          </a:xfrm>
+          <a:prstGeom prst="rect">
+            <a:avLst/>
+          </a:prstGeom>
+          <a:noFill/>
+        </p:spPr>
+        <p:txBody>
+          <a:bodyPr wrap="none" lIns="36000" tIns="36000" rIns="36000" bIns="36000" rtlCol="0">
+            <a:spAutoFit/>
+          </a:bodyPr>
+          <a:lstStyle/>
+          <a:p>
+            <a:pPr marL="171450" indent="-171450">
+              <a:buFont typeface="Wingdings" panose="05000000000000000000" pitchFamily="2" charset="2"/>
+              <a:buChar char=""/>
+            </a:pPr>
+            <a:r>
+              <a:rPr kumimoji="1" lang="ja-JP" altLang="en-US" sz="900" dirty="0"/>
+              <a:t>室外熱伝達抵抗</a:t>
+            </a:r>
+            <a:endParaRPr kumimoji="1" lang="en-US" altLang="ja-JP" sz="900" dirty="0"/>
+          </a:p>
+        </p:txBody>
+      </p:sp>
+      <p:cxnSp>
+        <p:nvCxnSpPr>
+          <p:cNvPr id="90" name="直線コネクタ 89">
+            <a:extLst>
+              <a:ext uri="{FF2B5EF4-FFF2-40B4-BE49-F238E27FC236}">
+                <a16:creationId xmlns:a16="http://schemas.microsoft.com/office/drawing/2014/main" id="{0AB818C6-B7F6-40F6-8785-CD54FB8C6DFB}"/>
+              </a:ext>
+            </a:extLst>
+          </p:cNvPr>
+          <p:cNvCxnSpPr>
+            <a:cxnSpLocks/>
+          </p:cNvCxnSpPr>
+          <p:nvPr/>
+        </p:nvCxnSpPr>
+        <p:spPr>
+          <a:xfrm>
+            <a:off x="2338375" y="5804732"/>
+            <a:ext cx="1311206" cy="0"/>
+          </a:xfrm>
+          <a:prstGeom prst="line">
+            <a:avLst/>
+          </a:prstGeom>
+          <a:ln w="19050">
+            <a:solidFill>
+              <a:schemeClr val="tx1"/>
+            </a:solidFill>
+          </a:ln>
+        </p:spPr>
+        <p:style>
+          <a:lnRef idx="1">
+            <a:schemeClr val="accent1"/>
+          </a:lnRef>
+          <a:fillRef idx="0">
+            <a:schemeClr val="accent1"/>
+          </a:fillRef>
+          <a:effectRef idx="0">
+            <a:schemeClr val="accent1"/>
+          </a:effectRef>
+          <a:fontRef idx="minor">
+            <a:schemeClr val="tx1"/>
+          </a:fontRef>
+        </p:style>
+      </p:cxnSp>
+      <p:sp>
+        <p:nvSpPr>
+          <p:cNvPr id="273" name="テキスト ボックス 272">
+            <a:extLst>
+              <a:ext uri="{FF2B5EF4-FFF2-40B4-BE49-F238E27FC236}">
+                <a16:creationId xmlns:a16="http://schemas.microsoft.com/office/drawing/2014/main" id="{5395AF94-DA76-490E-B527-7A9C6EAD7C7D}"/>
+              </a:ext>
+            </a:extLst>
+          </p:cNvPr>
+          <p:cNvSpPr txBox="1"/>
+          <p:nvPr/>
+        </p:nvSpPr>
+        <p:spPr>
+          <a:xfrm>
+            <a:off x="4789918" y="8766734"/>
+            <a:ext cx="1472125" cy="211203"/>
+          </a:xfrm>
+          <a:prstGeom prst="rect">
+            <a:avLst/>
+          </a:prstGeom>
+          <a:noFill/>
+        </p:spPr>
+        <p:txBody>
+          <a:bodyPr wrap="none" lIns="36000" tIns="36000" rIns="36000" bIns="36000" rtlCol="0">
+            <a:spAutoFit/>
+          </a:bodyPr>
+          <a:lstStyle/>
+          <a:p>
+            <a:pPr marL="171450" indent="-171450">
+              <a:buFont typeface="Wingdings" panose="05000000000000000000" pitchFamily="2" charset="2"/>
+              <a:buChar char="p"/>
+            </a:pPr>
+            <a:r>
+              <a:rPr kumimoji="1" lang="ja-JP" altLang="en-US" sz="900" dirty="0"/>
+              <a:t>間仕切り・一般部位・地盤</a:t>
+            </a:r>
+            <a:endParaRPr kumimoji="1" lang="en-US" altLang="ja-JP" sz="900" dirty="0"/>
+          </a:p>
+        </p:txBody>
+      </p:sp>
+      <p:sp>
+        <p:nvSpPr>
+          <p:cNvPr id="275" name="テキスト ボックス 274">
+            <a:extLst>
+              <a:ext uri="{FF2B5EF4-FFF2-40B4-BE49-F238E27FC236}">
+                <a16:creationId xmlns:a16="http://schemas.microsoft.com/office/drawing/2014/main" id="{0C90A7FB-5EA1-404C-81F9-E591CC4AD67C}"/>
+              </a:ext>
+            </a:extLst>
+          </p:cNvPr>
+          <p:cNvSpPr txBox="1"/>
+          <p:nvPr/>
+        </p:nvSpPr>
+        <p:spPr>
+          <a:xfrm>
+            <a:off x="4789918" y="9928793"/>
+            <a:ext cx="1771886" cy="211203"/>
+          </a:xfrm>
+          <a:prstGeom prst="rect">
+            <a:avLst/>
+          </a:prstGeom>
+          <a:noFill/>
+        </p:spPr>
+        <p:txBody>
+          <a:bodyPr wrap="none" lIns="36000" tIns="36000" rIns="36000" bIns="36000" rtlCol="0">
+            <a:spAutoFit/>
+          </a:bodyPr>
+          <a:lstStyle/>
+          <a:p>
+            <a:pPr marL="171450" indent="-171450">
+              <a:buFont typeface="Wingdings" panose="05000000000000000000" pitchFamily="2" charset="2"/>
+              <a:buChar char="p"/>
+            </a:pPr>
+            <a:r>
+              <a:rPr kumimoji="1" lang="ja-JP" altLang="en-US" sz="900" dirty="0"/>
+              <a:t>透明な開口部・不透明な開口部</a:t>
+            </a:r>
+            <a:endParaRPr kumimoji="1" lang="en-US" altLang="ja-JP" sz="900" dirty="0"/>
+          </a:p>
+        </p:txBody>
+      </p:sp>
+      <p:sp>
+        <p:nvSpPr>
+          <p:cNvPr id="278" name="テキスト ボックス 277">
+            <a:extLst>
+              <a:ext uri="{FF2B5EF4-FFF2-40B4-BE49-F238E27FC236}">
+                <a16:creationId xmlns:a16="http://schemas.microsoft.com/office/drawing/2014/main" id="{70BC7A0A-4E60-4264-9678-F8DA10789696}"/>
+              </a:ext>
+            </a:extLst>
+          </p:cNvPr>
+          <p:cNvSpPr txBox="1"/>
+          <p:nvPr/>
+        </p:nvSpPr>
+        <p:spPr>
+          <a:xfrm>
+            <a:off x="4789932" y="7743174"/>
+            <a:ext cx="1331061" cy="211203"/>
+          </a:xfrm>
+          <a:prstGeom prst="rect">
+            <a:avLst/>
+          </a:prstGeom>
+          <a:noFill/>
+        </p:spPr>
+        <p:txBody>
+          <a:bodyPr wrap="none" lIns="36000" tIns="36000" rIns="36000" bIns="36000" rtlCol="0">
+            <a:spAutoFit/>
+          </a:bodyPr>
+          <a:lstStyle/>
+          <a:p>
+            <a:pPr marL="171450" indent="-171450">
+              <a:buFont typeface="Wingdings" panose="05000000000000000000" pitchFamily="2" charset="2"/>
+              <a:buChar char="p"/>
+            </a:pPr>
+            <a:r>
+              <a:rPr kumimoji="1" lang="ja-JP" altLang="en-US" sz="900" dirty="0"/>
+              <a:t>人体に対する形態係数</a:t>
+            </a:r>
+            <a:endParaRPr kumimoji="1" lang="en-US" altLang="ja-JP" sz="900" dirty="0"/>
+          </a:p>
+        </p:txBody>
+      </p:sp>
+      <p:sp>
+        <p:nvSpPr>
+          <p:cNvPr id="279" name="テキスト ボックス 278">
+            <a:extLst>
+              <a:ext uri="{FF2B5EF4-FFF2-40B4-BE49-F238E27FC236}">
+                <a16:creationId xmlns:a16="http://schemas.microsoft.com/office/drawing/2014/main" id="{D014FC9F-4506-4A63-8989-E01CC2CE103D}"/>
+              </a:ext>
+            </a:extLst>
+          </p:cNvPr>
+          <p:cNvSpPr txBox="1"/>
+          <p:nvPr/>
+        </p:nvSpPr>
+        <p:spPr>
+          <a:xfrm>
+            <a:off x="4972281" y="9176158"/>
+            <a:ext cx="1226865" cy="349702"/>
+          </a:xfrm>
+          <a:prstGeom prst="rect">
+            <a:avLst/>
+          </a:prstGeom>
+          <a:noFill/>
+        </p:spPr>
+        <p:txBody>
+          <a:bodyPr wrap="none" lIns="36000" tIns="36000" rIns="36000" bIns="36000" rtlCol="0">
+            <a:spAutoFit/>
+          </a:bodyPr>
+          <a:lstStyle/>
+          <a:p>
+            <a:pPr marL="171450" indent="-171450">
+              <a:buFont typeface="Wingdings" panose="05000000000000000000" pitchFamily="2" charset="2"/>
+              <a:buChar char=""/>
+            </a:pPr>
+            <a:r>
+              <a:rPr kumimoji="1" lang="ja-JP" altLang="en-US" sz="900" dirty="0"/>
+              <a:t>壁体構成</a:t>
+            </a:r>
+            <a:br>
+              <a:rPr kumimoji="1" lang="en-US" altLang="ja-JP" sz="900" dirty="0"/>
+            </a:br>
+            <a:r>
+              <a:rPr kumimoji="1" lang="ja-JP" altLang="en-US" sz="900" dirty="0"/>
+              <a:t>（熱抵抗・熱容量）</a:t>
+            </a:r>
+            <a:endParaRPr kumimoji="1" lang="en-US" altLang="ja-JP" sz="900" dirty="0"/>
+          </a:p>
+        </p:txBody>
+      </p:sp>
+      <p:sp>
+        <p:nvSpPr>
+          <p:cNvPr id="281" name="テキスト ボックス 280">
+            <a:extLst>
+              <a:ext uri="{FF2B5EF4-FFF2-40B4-BE49-F238E27FC236}">
+                <a16:creationId xmlns:a16="http://schemas.microsoft.com/office/drawing/2014/main" id="{9590005B-CDF4-491D-BA7D-AD409FF8531B}"/>
+              </a:ext>
+            </a:extLst>
+          </p:cNvPr>
+          <p:cNvSpPr txBox="1"/>
+          <p:nvPr/>
+        </p:nvSpPr>
+        <p:spPr>
+          <a:xfrm>
+            <a:off x="4972281" y="8971446"/>
+            <a:ext cx="802070" cy="211203"/>
+          </a:xfrm>
+          <a:prstGeom prst="rect">
+            <a:avLst/>
+          </a:prstGeom>
+          <a:noFill/>
+        </p:spPr>
+        <p:txBody>
+          <a:bodyPr wrap="none" lIns="36000" tIns="36000" rIns="36000" bIns="36000" rtlCol="0">
+            <a:spAutoFit/>
+          </a:bodyPr>
+          <a:lstStyle/>
+          <a:p>
+            <a:pPr marL="171450" indent="-171450">
+              <a:buFont typeface="Wingdings" panose="05000000000000000000" pitchFamily="2" charset="2"/>
+              <a:buChar char=""/>
+            </a:pPr>
+            <a:r>
+              <a:rPr kumimoji="1" lang="ja-JP" altLang="en-US" sz="900" dirty="0"/>
+              <a:t>境界の種類</a:t>
+            </a:r>
+            <a:endParaRPr kumimoji="1" lang="en-US" altLang="ja-JP" sz="900" dirty="0"/>
+          </a:p>
+        </p:txBody>
+      </p:sp>
+      <p:sp>
+        <p:nvSpPr>
+          <p:cNvPr id="282" name="テキスト ボックス 281">
+            <a:extLst>
+              <a:ext uri="{FF2B5EF4-FFF2-40B4-BE49-F238E27FC236}">
+                <a16:creationId xmlns:a16="http://schemas.microsoft.com/office/drawing/2014/main" id="{17615C24-2BED-4408-A414-282C52308AAC}"/>
+              </a:ext>
+            </a:extLst>
+          </p:cNvPr>
+          <p:cNvSpPr txBox="1"/>
+          <p:nvPr/>
+        </p:nvSpPr>
+        <p:spPr>
+          <a:xfrm>
+            <a:off x="4972281" y="10338208"/>
+            <a:ext cx="707492" cy="211203"/>
+          </a:xfrm>
+          <a:prstGeom prst="rect">
+            <a:avLst/>
+          </a:prstGeom>
+          <a:noFill/>
+        </p:spPr>
+        <p:txBody>
+          <a:bodyPr wrap="none" lIns="36000" tIns="36000" rIns="36000" bIns="36000" rtlCol="0">
+            <a:spAutoFit/>
+          </a:bodyPr>
+          <a:lstStyle/>
+          <a:p>
+            <a:pPr marL="171450" indent="-171450">
+              <a:buFont typeface="Wingdings" panose="05000000000000000000" pitchFamily="2" charset="2"/>
+              <a:buChar char=""/>
+            </a:pPr>
+            <a:r>
+              <a:rPr kumimoji="1" lang="ja-JP" altLang="en-US" sz="900" dirty="0"/>
+              <a:t>熱貫流率</a:t>
+            </a:r>
+            <a:endParaRPr kumimoji="1" lang="en-US" altLang="ja-JP" sz="900" dirty="0"/>
+          </a:p>
+        </p:txBody>
+      </p:sp>
+      <p:sp>
+        <p:nvSpPr>
+          <p:cNvPr id="284" name="テキスト ボックス 283">
+            <a:extLst>
+              <a:ext uri="{FF2B5EF4-FFF2-40B4-BE49-F238E27FC236}">
+                <a16:creationId xmlns:a16="http://schemas.microsoft.com/office/drawing/2014/main" id="{0F8BEC0A-D9A6-4213-8E70-BF1499E45BAD}"/>
+              </a:ext>
+            </a:extLst>
+          </p:cNvPr>
+          <p:cNvSpPr txBox="1"/>
+          <p:nvPr/>
+        </p:nvSpPr>
+        <p:spPr>
+          <a:xfrm>
+            <a:off x="4972281" y="10133505"/>
+            <a:ext cx="802070" cy="211203"/>
+          </a:xfrm>
+          <a:prstGeom prst="rect">
+            <a:avLst/>
+          </a:prstGeom>
+          <a:noFill/>
+        </p:spPr>
+        <p:txBody>
+          <a:bodyPr wrap="none" lIns="36000" tIns="36000" rIns="36000" bIns="36000" rtlCol="0">
+            <a:spAutoFit/>
+          </a:bodyPr>
+          <a:lstStyle/>
+          <a:p>
+            <a:pPr marL="171450" indent="-171450">
+              <a:buFont typeface="Wingdings" panose="05000000000000000000" pitchFamily="2" charset="2"/>
+              <a:buChar char=""/>
+            </a:pPr>
+            <a:r>
+              <a:rPr kumimoji="1" lang="ja-JP" altLang="en-US" sz="900" dirty="0"/>
+              <a:t>境界の種類</a:t>
+            </a:r>
+            <a:endParaRPr kumimoji="1" lang="en-US" altLang="ja-JP" sz="900" dirty="0"/>
+          </a:p>
+        </p:txBody>
+      </p:sp>
+      <p:sp>
+        <p:nvSpPr>
+          <p:cNvPr id="288" name="テキスト ボックス 287">
+            <a:extLst>
+              <a:ext uri="{FF2B5EF4-FFF2-40B4-BE49-F238E27FC236}">
+                <a16:creationId xmlns:a16="http://schemas.microsoft.com/office/drawing/2014/main" id="{26E84239-2059-484D-8201-138554AF2BF0}"/>
+              </a:ext>
+            </a:extLst>
+          </p:cNvPr>
+          <p:cNvSpPr txBox="1"/>
+          <p:nvPr/>
+        </p:nvSpPr>
+        <p:spPr>
+          <a:xfrm>
+            <a:off x="4789932" y="8152598"/>
+            <a:ext cx="1515406" cy="211203"/>
+          </a:xfrm>
+          <a:prstGeom prst="rect">
+            <a:avLst/>
+          </a:prstGeom>
+          <a:noFill/>
+        </p:spPr>
+        <p:txBody>
+          <a:bodyPr wrap="none" lIns="36000" tIns="36000" rIns="36000" bIns="36000" rtlCol="0">
+            <a:spAutoFit/>
+          </a:bodyPr>
+          <a:lstStyle/>
+          <a:p>
+            <a:pPr marL="171450" indent="-171450">
+              <a:buFont typeface="Wingdings" panose="05000000000000000000" pitchFamily="2" charset="2"/>
+              <a:buChar char="p"/>
+            </a:pPr>
+            <a:r>
+              <a:rPr kumimoji="1" lang="ja-JP" altLang="en-US" sz="900" dirty="0"/>
+              <a:t>等価室温基準温度差係数</a:t>
+            </a:r>
+            <a:endParaRPr kumimoji="1" lang="en-US" altLang="ja-JP" sz="900" dirty="0"/>
+          </a:p>
+        </p:txBody>
+      </p:sp>
+      <p:sp>
+        <p:nvSpPr>
+          <p:cNvPr id="289" name="テキスト ボックス 288">
+            <a:extLst>
+              <a:ext uri="{FF2B5EF4-FFF2-40B4-BE49-F238E27FC236}">
+                <a16:creationId xmlns:a16="http://schemas.microsoft.com/office/drawing/2014/main" id="{B98369AC-59CC-4E4F-97BB-3D71B14A1F74}"/>
+              </a:ext>
+            </a:extLst>
+          </p:cNvPr>
+          <p:cNvSpPr txBox="1"/>
+          <p:nvPr/>
+        </p:nvSpPr>
+        <p:spPr>
+          <a:xfrm>
+            <a:off x="4972281" y="8357310"/>
+            <a:ext cx="1071374" cy="211203"/>
+          </a:xfrm>
+          <a:prstGeom prst="rect">
+            <a:avLst/>
+          </a:prstGeom>
+          <a:noFill/>
+        </p:spPr>
+        <p:txBody>
+          <a:bodyPr wrap="none" lIns="36000" tIns="36000" rIns="36000" bIns="36000" rtlCol="0">
+            <a:spAutoFit/>
+          </a:bodyPr>
+          <a:lstStyle/>
+          <a:p>
+            <a:pPr marL="171450" indent="-171450">
+              <a:buFont typeface="Wingdings" panose="05000000000000000000" pitchFamily="2" charset="2"/>
+              <a:buChar char=""/>
+            </a:pPr>
+            <a:r>
+              <a:rPr kumimoji="1" lang="ja-JP" altLang="en-US" sz="900" dirty="0"/>
+              <a:t>等価室温参照</a:t>
+            </a:r>
+            <a:r>
+              <a:rPr kumimoji="1" lang="en-US" altLang="ja-JP" sz="900" dirty="0"/>
+              <a:t>ID</a:t>
+            </a:r>
+          </a:p>
+        </p:txBody>
+      </p:sp>
+      <p:sp>
+        <p:nvSpPr>
+          <p:cNvPr id="290" name="テキスト ボックス 289">
+            <a:extLst>
+              <a:ext uri="{FF2B5EF4-FFF2-40B4-BE49-F238E27FC236}">
+                <a16:creationId xmlns:a16="http://schemas.microsoft.com/office/drawing/2014/main" id="{A8DDC545-F7D1-4F48-8009-82F812852845}"/>
+              </a:ext>
+            </a:extLst>
+          </p:cNvPr>
+          <p:cNvSpPr txBox="1"/>
+          <p:nvPr/>
+        </p:nvSpPr>
+        <p:spPr>
+          <a:xfrm>
+            <a:off x="4972281" y="8562022"/>
+            <a:ext cx="822908" cy="211203"/>
+          </a:xfrm>
+          <a:prstGeom prst="rect">
+            <a:avLst/>
+          </a:prstGeom>
+          <a:noFill/>
+        </p:spPr>
+        <p:txBody>
+          <a:bodyPr wrap="none" lIns="36000" tIns="36000" rIns="36000" bIns="36000" rtlCol="0">
+            <a:spAutoFit/>
+          </a:bodyPr>
+          <a:lstStyle/>
+          <a:p>
+            <a:pPr marL="171450" indent="-171450">
+              <a:buFont typeface="Wingdings" panose="05000000000000000000" pitchFamily="2" charset="2"/>
+              <a:buChar char=""/>
+            </a:pPr>
+            <a:r>
+              <a:rPr kumimoji="1" lang="ja-JP" altLang="en-US" sz="900" dirty="0"/>
+              <a:t>温度差係数</a:t>
+            </a:r>
+            <a:endParaRPr kumimoji="1" lang="en-US" altLang="ja-JP" sz="900" dirty="0"/>
+          </a:p>
+        </p:txBody>
+      </p:sp>
+      <p:sp>
+        <p:nvSpPr>
+          <p:cNvPr id="291" name="テキスト ボックス 290">
+            <a:extLst>
+              <a:ext uri="{FF2B5EF4-FFF2-40B4-BE49-F238E27FC236}">
+                <a16:creationId xmlns:a16="http://schemas.microsoft.com/office/drawing/2014/main" id="{BA0BBD6B-4858-4AF4-8D9A-67828CD3617D}"/>
+              </a:ext>
+            </a:extLst>
+          </p:cNvPr>
+          <p:cNvSpPr txBox="1"/>
+          <p:nvPr/>
+        </p:nvSpPr>
+        <p:spPr>
+          <a:xfrm>
+            <a:off x="4789932" y="6514902"/>
+            <a:ext cx="1085801" cy="211203"/>
+          </a:xfrm>
+          <a:prstGeom prst="rect">
+            <a:avLst/>
+          </a:prstGeom>
+          <a:noFill/>
+        </p:spPr>
+        <p:txBody>
+          <a:bodyPr wrap="none" lIns="36000" tIns="36000" rIns="36000" bIns="36000" rtlCol="0">
+            <a:spAutoFit/>
+          </a:bodyPr>
+          <a:lstStyle/>
+          <a:p>
+            <a:pPr marL="171450" indent="-171450">
+              <a:buFont typeface="Wingdings" panose="05000000000000000000" pitchFamily="2" charset="2"/>
+              <a:buChar char="p"/>
+            </a:pPr>
+            <a:r>
+              <a:rPr kumimoji="1" lang="ja-JP" altLang="en-US" sz="900" dirty="0"/>
+              <a:t>地盤であるか否か</a:t>
+            </a:r>
+            <a:endParaRPr kumimoji="1" lang="en-US" altLang="ja-JP" sz="900" dirty="0"/>
+          </a:p>
+        </p:txBody>
+      </p:sp>
+      <p:sp>
+        <p:nvSpPr>
+          <p:cNvPr id="292" name="テキスト ボックス 291">
+            <a:extLst>
+              <a:ext uri="{FF2B5EF4-FFF2-40B4-BE49-F238E27FC236}">
+                <a16:creationId xmlns:a16="http://schemas.microsoft.com/office/drawing/2014/main" id="{2A5D0567-2E2B-4D0D-968D-F9B2FBC3766E}"/>
+              </a:ext>
+            </a:extLst>
+          </p:cNvPr>
+          <p:cNvSpPr txBox="1"/>
+          <p:nvPr/>
+        </p:nvSpPr>
+        <p:spPr>
+          <a:xfrm>
+            <a:off x="4789932" y="6719614"/>
+            <a:ext cx="911074" cy="211203"/>
+          </a:xfrm>
+          <a:prstGeom prst="rect">
+            <a:avLst/>
+          </a:prstGeom>
+          <a:noFill/>
+        </p:spPr>
+        <p:txBody>
+          <a:bodyPr wrap="none" lIns="36000" tIns="36000" rIns="36000" bIns="36000" rtlCol="0">
+            <a:spAutoFit/>
+          </a:bodyPr>
+          <a:lstStyle/>
+          <a:p>
+            <a:pPr marL="171450" indent="-171450">
+              <a:buFont typeface="Wingdings" panose="05000000000000000000" pitchFamily="2" charset="2"/>
+              <a:buChar char="p"/>
+            </a:pPr>
+            <a:r>
+              <a:rPr kumimoji="1" lang="ja-JP" altLang="en-US" sz="900" dirty="0"/>
+              <a:t>隣接する室</a:t>
+            </a:r>
+            <a:r>
+              <a:rPr kumimoji="1" lang="en-US" altLang="ja-JP" sz="900" dirty="0"/>
+              <a:t>ID</a:t>
+            </a:r>
+          </a:p>
+        </p:txBody>
+      </p:sp>
+      <p:sp>
+        <p:nvSpPr>
+          <p:cNvPr id="293" name="テキスト ボックス 292">
+            <a:extLst>
+              <a:ext uri="{FF2B5EF4-FFF2-40B4-BE49-F238E27FC236}">
+                <a16:creationId xmlns:a16="http://schemas.microsoft.com/office/drawing/2014/main" id="{AC9CA46B-15A5-4DC4-9079-7B1ED0BA2587}"/>
+              </a:ext>
+            </a:extLst>
+          </p:cNvPr>
+          <p:cNvSpPr txBox="1"/>
+          <p:nvPr/>
+        </p:nvSpPr>
+        <p:spPr>
+          <a:xfrm>
+            <a:off x="4789932" y="5900766"/>
+            <a:ext cx="609710" cy="211203"/>
+          </a:xfrm>
+          <a:prstGeom prst="rect">
+            <a:avLst/>
+          </a:prstGeom>
+          <a:noFill/>
+        </p:spPr>
+        <p:txBody>
+          <a:bodyPr wrap="none" lIns="36000" tIns="36000" rIns="36000" bIns="36000" rtlCol="0">
+            <a:spAutoFit/>
+          </a:bodyPr>
+          <a:lstStyle/>
+          <a:p>
+            <a:pPr marL="171450" indent="-171450">
+              <a:buFont typeface="Wingdings" panose="05000000000000000000" pitchFamily="2" charset="2"/>
+              <a:buChar char="p"/>
+            </a:pPr>
+            <a:r>
+              <a:rPr kumimoji="1" lang="ja-JP" altLang="en-US" sz="900" dirty="0"/>
+              <a:t>境界</a:t>
+            </a:r>
+            <a:r>
+              <a:rPr kumimoji="1" lang="en-US" altLang="ja-JP" sz="900" dirty="0"/>
+              <a:t>ID</a:t>
+            </a:r>
+          </a:p>
+        </p:txBody>
+      </p:sp>
+      <p:sp>
+        <p:nvSpPr>
+          <p:cNvPr id="296" name="テキスト ボックス 295">
+            <a:extLst>
+              <a:ext uri="{FF2B5EF4-FFF2-40B4-BE49-F238E27FC236}">
+                <a16:creationId xmlns:a16="http://schemas.microsoft.com/office/drawing/2014/main" id="{40D4797B-DE52-4836-BCA9-13D1C2F0FA34}"/>
+              </a:ext>
+            </a:extLst>
+          </p:cNvPr>
+          <p:cNvSpPr txBox="1"/>
+          <p:nvPr/>
+        </p:nvSpPr>
+        <p:spPr>
+          <a:xfrm>
+            <a:off x="4789932" y="6310190"/>
+            <a:ext cx="476660" cy="211203"/>
+          </a:xfrm>
+          <a:prstGeom prst="rect">
+            <a:avLst/>
+          </a:prstGeom>
+          <a:noFill/>
+        </p:spPr>
+        <p:txBody>
+          <a:bodyPr wrap="none" lIns="36000" tIns="36000" rIns="36000" bIns="36000" rtlCol="0">
+            <a:spAutoFit/>
+          </a:bodyPr>
+          <a:lstStyle/>
+          <a:p>
+            <a:pPr marL="171450" indent="-171450">
+              <a:buFont typeface="Wingdings" panose="05000000000000000000" pitchFamily="2" charset="2"/>
+              <a:buChar char="p"/>
+            </a:pPr>
+            <a:r>
+              <a:rPr kumimoji="1" lang="ja-JP" altLang="en-US" sz="900" dirty="0"/>
+              <a:t>副名</a:t>
+            </a:r>
+            <a:endParaRPr kumimoji="1" lang="en-US" altLang="ja-JP" sz="900" dirty="0"/>
+          </a:p>
+        </p:txBody>
+      </p:sp>
+      <p:sp>
+        <p:nvSpPr>
+          <p:cNvPr id="297" name="テキスト ボックス 296">
+            <a:extLst>
+              <a:ext uri="{FF2B5EF4-FFF2-40B4-BE49-F238E27FC236}">
+                <a16:creationId xmlns:a16="http://schemas.microsoft.com/office/drawing/2014/main" id="{08C232D1-172B-4FF6-BBD2-008B039563F2}"/>
+              </a:ext>
+            </a:extLst>
+          </p:cNvPr>
+          <p:cNvSpPr txBox="1"/>
+          <p:nvPr/>
+        </p:nvSpPr>
+        <p:spPr>
+          <a:xfrm>
+            <a:off x="4789932" y="7333750"/>
+            <a:ext cx="1725400" cy="211203"/>
+          </a:xfrm>
+          <a:prstGeom prst="rect">
+            <a:avLst/>
+          </a:prstGeom>
+          <a:noFill/>
+        </p:spPr>
+        <p:txBody>
+          <a:bodyPr wrap="none" lIns="36000" tIns="36000" rIns="36000" bIns="36000" rtlCol="0">
+            <a:spAutoFit/>
+          </a:bodyPr>
+          <a:lstStyle/>
+          <a:p>
+            <a:pPr marL="171450" indent="-171450">
+              <a:buFont typeface="Wingdings" panose="05000000000000000000" pitchFamily="2" charset="2"/>
+              <a:buChar char="p"/>
+            </a:pPr>
+            <a:r>
+              <a:rPr kumimoji="1" lang="ja-JP" altLang="en-US" sz="900" dirty="0"/>
+              <a:t>放射空調の放射成分吸収比率</a:t>
+            </a:r>
+            <a:endParaRPr kumimoji="1" lang="en-US" altLang="ja-JP" sz="900" dirty="0"/>
+          </a:p>
+        </p:txBody>
+      </p:sp>
+      <p:sp>
+        <p:nvSpPr>
+          <p:cNvPr id="299" name="テキスト ボックス 298">
+            <a:extLst>
+              <a:ext uri="{FF2B5EF4-FFF2-40B4-BE49-F238E27FC236}">
+                <a16:creationId xmlns:a16="http://schemas.microsoft.com/office/drawing/2014/main" id="{82BB32B1-4E9B-4851-BA20-BA8DEAD4E709}"/>
+              </a:ext>
+            </a:extLst>
+          </p:cNvPr>
+          <p:cNvSpPr txBox="1"/>
+          <p:nvPr/>
+        </p:nvSpPr>
+        <p:spPr>
+          <a:xfrm>
+            <a:off x="4972281" y="9519369"/>
+            <a:ext cx="1933790" cy="211203"/>
+          </a:xfrm>
+          <a:prstGeom prst="rect">
+            <a:avLst/>
+          </a:prstGeom>
+          <a:noFill/>
+        </p:spPr>
+        <p:txBody>
+          <a:bodyPr wrap="none" lIns="36000" tIns="36000" rIns="36000" bIns="36000" rtlCol="0">
+            <a:spAutoFit/>
+          </a:bodyPr>
+          <a:lstStyle/>
+          <a:p>
+            <a:pPr marL="171450" indent="-171450">
+              <a:buFont typeface="Wingdings" panose="05000000000000000000" pitchFamily="2" charset="2"/>
+              <a:buChar char=""/>
+            </a:pPr>
+            <a:r>
+              <a:rPr kumimoji="1" lang="ja-JP" altLang="en-US" sz="900" dirty="0"/>
+              <a:t>室外側対流熱伝達率（間仕切り）</a:t>
+            </a:r>
+            <a:endParaRPr kumimoji="1" lang="en-US" altLang="ja-JP" sz="900" dirty="0"/>
+          </a:p>
+        </p:txBody>
+      </p:sp>
+      <p:sp>
+        <p:nvSpPr>
+          <p:cNvPr id="336" name="テキスト ボックス 335">
+            <a:extLst>
+              <a:ext uri="{FF2B5EF4-FFF2-40B4-BE49-F238E27FC236}">
+                <a16:creationId xmlns:a16="http://schemas.microsoft.com/office/drawing/2014/main" id="{017881E9-0662-451E-98BB-8B49EDD8245C}"/>
+              </a:ext>
+            </a:extLst>
+          </p:cNvPr>
+          <p:cNvSpPr txBox="1"/>
+          <p:nvPr/>
+        </p:nvSpPr>
+        <p:spPr>
+          <a:xfrm>
+            <a:off x="4972281" y="9724081"/>
+            <a:ext cx="2092487" cy="211203"/>
+          </a:xfrm>
+          <a:prstGeom prst="rect">
+            <a:avLst/>
+          </a:prstGeom>
+          <a:noFill/>
+        </p:spPr>
+        <p:txBody>
+          <a:bodyPr wrap="none" lIns="36000" tIns="36000" rIns="36000" bIns="36000" rtlCol="0">
+            <a:spAutoFit/>
+          </a:bodyPr>
+          <a:lstStyle/>
+          <a:p>
+            <a:pPr marL="171450" indent="-171450">
+              <a:buFont typeface="Wingdings" panose="05000000000000000000" pitchFamily="2" charset="2"/>
+              <a:buChar char=""/>
+            </a:pPr>
+            <a:r>
+              <a:rPr kumimoji="1" lang="ja-JP" altLang="en-US" sz="900" dirty="0"/>
+              <a:t>室外側総合熱伝達抵抗（一般部位）</a:t>
+            </a:r>
+            <a:endParaRPr kumimoji="1" lang="en-US" altLang="ja-JP" sz="900" dirty="0"/>
+          </a:p>
+        </p:txBody>
+      </p:sp>
+      <p:sp>
+        <p:nvSpPr>
+          <p:cNvPr id="367" name="テキスト ボックス 366">
+            <a:extLst>
+              <a:ext uri="{FF2B5EF4-FFF2-40B4-BE49-F238E27FC236}">
+                <a16:creationId xmlns:a16="http://schemas.microsoft.com/office/drawing/2014/main" id="{D6428A82-6A42-4711-9F7A-31E6B9EBA44D}"/>
+              </a:ext>
+            </a:extLst>
+          </p:cNvPr>
+          <p:cNvSpPr txBox="1"/>
+          <p:nvPr/>
+        </p:nvSpPr>
+        <p:spPr>
+          <a:xfrm>
+            <a:off x="9727475" y="8174980"/>
+            <a:ext cx="418952" cy="211203"/>
+          </a:xfrm>
+          <a:prstGeom prst="rect">
+            <a:avLst/>
+          </a:prstGeom>
+          <a:ln w="6350"/>
+        </p:spPr>
+        <p:style>
+          <a:lnRef idx="2">
+            <a:schemeClr val="dk1"/>
+          </a:lnRef>
+          <a:fillRef idx="1">
+            <a:schemeClr val="lt1"/>
+          </a:fillRef>
+          <a:effectRef idx="0">
+            <a:schemeClr val="dk1"/>
+          </a:effectRef>
+          <a:fontRef idx="minor">
+            <a:schemeClr val="dk1"/>
+          </a:fontRef>
+        </p:style>
+        <p:txBody>
+          <a:bodyPr wrap="none" lIns="36000" tIns="36000" rIns="36000" bIns="36000" rtlCol="0">
+            <a:spAutoFit/>
+          </a:bodyPr>
+          <a:lstStyle/>
+          <a:p>
+            <a:r>
+              <a:rPr kumimoji="1" lang="ja-JP" altLang="en-US" sz="900" dirty="0"/>
+              <a:t>前処理</a:t>
+            </a:r>
+          </a:p>
+        </p:txBody>
+      </p:sp>
+      <p:sp>
+        <p:nvSpPr>
+          <p:cNvPr id="370" name="テキスト ボックス 369">
+            <a:extLst>
+              <a:ext uri="{FF2B5EF4-FFF2-40B4-BE49-F238E27FC236}">
+                <a16:creationId xmlns:a16="http://schemas.microsoft.com/office/drawing/2014/main" id="{567BA10D-67C4-4B35-8EFF-80615B11691B}"/>
+              </a:ext>
+            </a:extLst>
+          </p:cNvPr>
+          <p:cNvSpPr txBox="1"/>
+          <p:nvPr/>
+        </p:nvSpPr>
+        <p:spPr>
+          <a:xfrm>
+            <a:off x="9884208" y="8462911"/>
+            <a:ext cx="707492" cy="211203"/>
+          </a:xfrm>
+          <a:prstGeom prst="rect">
+            <a:avLst/>
+          </a:prstGeom>
+          <a:noFill/>
+        </p:spPr>
+        <p:txBody>
+          <a:bodyPr wrap="none" lIns="36000" tIns="36000" rIns="36000" bIns="36000" rtlCol="0">
+            <a:spAutoFit/>
+          </a:bodyPr>
+          <a:lstStyle/>
+          <a:p>
+            <a:pPr marL="171450" indent="-171450">
+              <a:buFont typeface="Wingdings" panose="05000000000000000000" pitchFamily="2" charset="2"/>
+              <a:buChar char="p"/>
+            </a:pPr>
+            <a:r>
+              <a:rPr kumimoji="1" lang="ja-JP" altLang="en-US" sz="900" dirty="0"/>
+              <a:t>応答係数</a:t>
+            </a:r>
+            <a:endParaRPr kumimoji="1" lang="en-US" altLang="ja-JP" sz="900" dirty="0"/>
+          </a:p>
+        </p:txBody>
+      </p:sp>
+      <p:sp>
+        <p:nvSpPr>
+          <p:cNvPr id="375" name="正方形/長方形 374">
+            <a:extLst>
+              <a:ext uri="{FF2B5EF4-FFF2-40B4-BE49-F238E27FC236}">
+                <a16:creationId xmlns:a16="http://schemas.microsoft.com/office/drawing/2014/main" id="{475128AC-2666-440D-92CE-C9BBC0FFAA17}"/>
+              </a:ext>
+            </a:extLst>
+          </p:cNvPr>
+          <p:cNvSpPr/>
+          <p:nvPr/>
+        </p:nvSpPr>
+        <p:spPr>
+          <a:xfrm>
+            <a:off x="7579935" y="8486741"/>
+            <a:ext cx="79243" cy="79243"/>
+          </a:xfrm>
+          <a:prstGeom prst="rect">
+            <a:avLst/>
+          </a:prstGeom>
+          <a:noFill/>
+          <a:ln>
+            <a:noFill/>
+          </a:ln>
+        </p:spPr>
+        <p:style>
+          <a:lnRef idx="2">
+            <a:schemeClr val="accent1">
+              <a:shade val="50000"/>
+            </a:schemeClr>
+          </a:lnRef>
+          <a:fillRef idx="1">
+            <a:schemeClr val="accent1"/>
+          </a:fillRef>
+          <a:effectRef idx="0">
+            <a:schemeClr val="accent1"/>
+          </a:effectRef>
+          <a:fontRef idx="minor">
+            <a:schemeClr val="lt1"/>
+          </a:fontRef>
+        </p:style>
+        <p:txBody>
+          <a:bodyPr rtlCol="0" anchor="ctr"/>
+          <a:lstStyle/>
+          <a:p>
+            <a:pPr algn="ctr"/>
+            <a:endParaRPr kumimoji="1" lang="ja-JP" altLang="en-US"/>
+          </a:p>
+        </p:txBody>
+      </p:sp>
+      <p:cxnSp>
+        <p:nvCxnSpPr>
+          <p:cNvPr id="379" name="コネクタ: カギ線 378">
+            <a:extLst>
+              <a:ext uri="{FF2B5EF4-FFF2-40B4-BE49-F238E27FC236}">
+                <a16:creationId xmlns:a16="http://schemas.microsoft.com/office/drawing/2014/main" id="{89F59A6F-13DF-463F-B20D-994F67B633C8}"/>
+              </a:ext>
+            </a:extLst>
+          </p:cNvPr>
+          <p:cNvCxnSpPr>
+            <a:cxnSpLocks/>
+            <a:stCxn id="281" idx="3"/>
+            <a:endCxn id="375" idx="2"/>
+          </p:cNvCxnSpPr>
+          <p:nvPr/>
+        </p:nvCxnSpPr>
+        <p:spPr>
+          <a:xfrm flipV="1">
+            <a:off x="5774351" y="8565984"/>
+            <a:ext cx="1845206" cy="511064"/>
+          </a:xfrm>
+          <a:prstGeom prst="bentConnector2">
+            <a:avLst/>
+          </a:prstGeom>
+          <a:ln w="12700">
+            <a:solidFill>
+              <a:srgbClr val="7030A0"/>
+            </a:solidFill>
+            <a:tailEnd type="none"/>
+          </a:ln>
+        </p:spPr>
+        <p:style>
+          <a:lnRef idx="1">
+            <a:schemeClr val="accent1"/>
+          </a:lnRef>
+          <a:fillRef idx="0">
+            <a:schemeClr val="accent1"/>
+          </a:fillRef>
+          <a:effectRef idx="0">
+            <a:schemeClr val="accent1"/>
+          </a:effectRef>
+          <a:fontRef idx="minor">
+            <a:schemeClr val="tx1"/>
+          </a:fontRef>
+        </p:style>
+      </p:cxnSp>
+      <p:cxnSp>
+        <p:nvCxnSpPr>
+          <p:cNvPr id="381" name="コネクタ: カギ線 380">
+            <a:extLst>
+              <a:ext uri="{FF2B5EF4-FFF2-40B4-BE49-F238E27FC236}">
+                <a16:creationId xmlns:a16="http://schemas.microsoft.com/office/drawing/2014/main" id="{70B7FF62-A9DE-4C34-AEBD-19C5D0068CAC}"/>
+              </a:ext>
+            </a:extLst>
+          </p:cNvPr>
+          <p:cNvCxnSpPr>
+            <a:cxnSpLocks/>
+            <a:stCxn id="279" idx="3"/>
+            <a:endCxn id="375" idx="2"/>
+          </p:cNvCxnSpPr>
+          <p:nvPr/>
+        </p:nvCxnSpPr>
+        <p:spPr>
+          <a:xfrm flipV="1">
+            <a:off x="6199146" y="8565984"/>
+            <a:ext cx="1420411" cy="785025"/>
+          </a:xfrm>
+          <a:prstGeom prst="bentConnector2">
+            <a:avLst/>
+          </a:prstGeom>
+          <a:ln w="12700">
+            <a:solidFill>
+              <a:srgbClr val="7030A0"/>
+            </a:solidFill>
+            <a:tailEnd type="none"/>
+          </a:ln>
+        </p:spPr>
+        <p:style>
+          <a:lnRef idx="1">
+            <a:schemeClr val="accent1"/>
+          </a:lnRef>
+          <a:fillRef idx="0">
+            <a:schemeClr val="accent1"/>
+          </a:fillRef>
+          <a:effectRef idx="0">
+            <a:schemeClr val="accent1"/>
+          </a:effectRef>
+          <a:fontRef idx="minor">
+            <a:schemeClr val="tx1"/>
+          </a:fontRef>
+        </p:style>
+      </p:cxnSp>
+      <p:cxnSp>
+        <p:nvCxnSpPr>
+          <p:cNvPr id="383" name="コネクタ: カギ線 382">
+            <a:extLst>
+              <a:ext uri="{FF2B5EF4-FFF2-40B4-BE49-F238E27FC236}">
+                <a16:creationId xmlns:a16="http://schemas.microsoft.com/office/drawing/2014/main" id="{85FE80AB-6157-43E0-9D9F-5D6814F38B5D}"/>
+              </a:ext>
+            </a:extLst>
+          </p:cNvPr>
+          <p:cNvCxnSpPr>
+            <a:cxnSpLocks/>
+            <a:stCxn id="299" idx="3"/>
+            <a:endCxn id="375" idx="2"/>
+          </p:cNvCxnSpPr>
+          <p:nvPr/>
+        </p:nvCxnSpPr>
+        <p:spPr>
+          <a:xfrm flipV="1">
+            <a:off x="6906071" y="8565984"/>
+            <a:ext cx="713486" cy="1058987"/>
+          </a:xfrm>
+          <a:prstGeom prst="bentConnector2">
+            <a:avLst/>
+          </a:prstGeom>
+          <a:ln w="12700">
+            <a:solidFill>
+              <a:srgbClr val="7030A0"/>
+            </a:solidFill>
+            <a:tailEnd type="none"/>
+          </a:ln>
+        </p:spPr>
+        <p:style>
+          <a:lnRef idx="1">
+            <a:schemeClr val="accent1"/>
+          </a:lnRef>
+          <a:fillRef idx="0">
+            <a:schemeClr val="accent1"/>
+          </a:fillRef>
+          <a:effectRef idx="0">
+            <a:schemeClr val="accent1"/>
+          </a:effectRef>
+          <a:fontRef idx="minor">
+            <a:schemeClr val="tx1"/>
+          </a:fontRef>
+        </p:style>
+      </p:cxnSp>
+      <p:cxnSp>
+        <p:nvCxnSpPr>
+          <p:cNvPr id="387" name="コネクタ: カギ線 386">
+            <a:extLst>
+              <a:ext uri="{FF2B5EF4-FFF2-40B4-BE49-F238E27FC236}">
+                <a16:creationId xmlns:a16="http://schemas.microsoft.com/office/drawing/2014/main" id="{B27C8F3E-D4CF-4251-9CAE-4187E254A643}"/>
+              </a:ext>
+            </a:extLst>
+          </p:cNvPr>
+          <p:cNvCxnSpPr>
+            <a:cxnSpLocks/>
+            <a:stCxn id="336" idx="3"/>
+            <a:endCxn id="375" idx="2"/>
+          </p:cNvCxnSpPr>
+          <p:nvPr/>
+        </p:nvCxnSpPr>
+        <p:spPr>
+          <a:xfrm flipV="1">
+            <a:off x="7064768" y="8565984"/>
+            <a:ext cx="554789" cy="1263699"/>
+          </a:xfrm>
+          <a:prstGeom prst="bentConnector2">
+            <a:avLst/>
+          </a:prstGeom>
+          <a:ln w="12700">
+            <a:solidFill>
+              <a:srgbClr val="7030A0"/>
+            </a:solidFill>
+            <a:tailEnd type="none"/>
+          </a:ln>
+        </p:spPr>
+        <p:style>
+          <a:lnRef idx="1">
+            <a:schemeClr val="accent1"/>
+          </a:lnRef>
+          <a:fillRef idx="0">
+            <a:schemeClr val="accent1"/>
+          </a:fillRef>
+          <a:effectRef idx="0">
+            <a:schemeClr val="accent1"/>
+          </a:effectRef>
+          <a:fontRef idx="minor">
+            <a:schemeClr val="tx1"/>
+          </a:fontRef>
+        </p:style>
+      </p:cxnSp>
+      <p:cxnSp>
+        <p:nvCxnSpPr>
+          <p:cNvPr id="391" name="コネクタ: カギ線 390">
+            <a:extLst>
+              <a:ext uri="{FF2B5EF4-FFF2-40B4-BE49-F238E27FC236}">
+                <a16:creationId xmlns:a16="http://schemas.microsoft.com/office/drawing/2014/main" id="{A8CA8366-F5C3-4926-82E7-5EF48FE54DD5}"/>
+              </a:ext>
+            </a:extLst>
+          </p:cNvPr>
+          <p:cNvCxnSpPr>
+            <a:cxnSpLocks/>
+            <a:stCxn id="284" idx="3"/>
+            <a:endCxn id="375" idx="2"/>
+          </p:cNvCxnSpPr>
+          <p:nvPr/>
+        </p:nvCxnSpPr>
+        <p:spPr>
+          <a:xfrm flipV="1">
+            <a:off x="5774351" y="8565984"/>
+            <a:ext cx="1845206" cy="1673123"/>
+          </a:xfrm>
+          <a:prstGeom prst="bentConnector2">
+            <a:avLst/>
+          </a:prstGeom>
+          <a:ln w="12700">
+            <a:solidFill>
+              <a:srgbClr val="7030A0"/>
+            </a:solidFill>
+            <a:tailEnd type="none"/>
+          </a:ln>
+        </p:spPr>
+        <p:style>
+          <a:lnRef idx="1">
+            <a:schemeClr val="accent1"/>
+          </a:lnRef>
+          <a:fillRef idx="0">
+            <a:schemeClr val="accent1"/>
+          </a:fillRef>
+          <a:effectRef idx="0">
+            <a:schemeClr val="accent1"/>
+          </a:effectRef>
+          <a:fontRef idx="minor">
+            <a:schemeClr val="tx1"/>
+          </a:fontRef>
+        </p:style>
+      </p:cxnSp>
+      <p:cxnSp>
+        <p:nvCxnSpPr>
+          <p:cNvPr id="394" name="コネクタ: カギ線 393">
+            <a:extLst>
+              <a:ext uri="{FF2B5EF4-FFF2-40B4-BE49-F238E27FC236}">
+                <a16:creationId xmlns:a16="http://schemas.microsoft.com/office/drawing/2014/main" id="{FF5D165E-91F6-4ACA-94A7-977A578932B7}"/>
+              </a:ext>
+            </a:extLst>
+          </p:cNvPr>
+          <p:cNvCxnSpPr>
+            <a:cxnSpLocks/>
+            <a:stCxn id="282" idx="3"/>
+            <a:endCxn id="375" idx="2"/>
+          </p:cNvCxnSpPr>
+          <p:nvPr/>
+        </p:nvCxnSpPr>
+        <p:spPr>
+          <a:xfrm flipV="1">
+            <a:off x="5679773" y="8565984"/>
+            <a:ext cx="1939784" cy="1877826"/>
+          </a:xfrm>
+          <a:prstGeom prst="bentConnector2">
+            <a:avLst/>
+          </a:prstGeom>
+          <a:ln w="12700">
+            <a:solidFill>
+              <a:srgbClr val="7030A0"/>
+            </a:solidFill>
+            <a:tailEnd type="none"/>
+          </a:ln>
+        </p:spPr>
+        <p:style>
+          <a:lnRef idx="1">
+            <a:schemeClr val="accent1"/>
+          </a:lnRef>
+          <a:fillRef idx="0">
+            <a:schemeClr val="accent1"/>
+          </a:fillRef>
+          <a:effectRef idx="0">
+            <a:schemeClr val="accent1"/>
+          </a:effectRef>
+          <a:fontRef idx="minor">
+            <a:schemeClr val="tx1"/>
+          </a:fontRef>
+        </p:style>
+      </p:cxnSp>
+      <p:cxnSp>
+        <p:nvCxnSpPr>
+          <p:cNvPr id="396" name="コネクタ: カギ線 395">
+            <a:extLst>
+              <a:ext uri="{FF2B5EF4-FFF2-40B4-BE49-F238E27FC236}">
+                <a16:creationId xmlns:a16="http://schemas.microsoft.com/office/drawing/2014/main" id="{0CDE6C7B-86D8-403D-8FD8-2AA6B6FF74DD}"/>
+              </a:ext>
+            </a:extLst>
+          </p:cNvPr>
+          <p:cNvCxnSpPr>
+            <a:cxnSpLocks/>
+            <a:stCxn id="405" idx="3"/>
+            <a:endCxn id="370" idx="1"/>
+          </p:cNvCxnSpPr>
+          <p:nvPr/>
+        </p:nvCxnSpPr>
+        <p:spPr>
+          <a:xfrm>
+            <a:off x="7600503" y="8564971"/>
+            <a:ext cx="2283705" cy="3542"/>
+          </a:xfrm>
+          <a:prstGeom prst="bentConnector3">
+            <a:avLst>
+              <a:gd name="adj1" fmla="val 50000"/>
+            </a:avLst>
+          </a:prstGeom>
+          <a:ln w="12700">
+            <a:solidFill>
+              <a:srgbClr val="7030A0"/>
+            </a:solidFill>
+            <a:tailEnd type="triangle"/>
+          </a:ln>
+        </p:spPr>
+        <p:style>
+          <a:lnRef idx="1">
+            <a:schemeClr val="accent1"/>
+          </a:lnRef>
+          <a:fillRef idx="0">
+            <a:schemeClr val="accent1"/>
+          </a:fillRef>
+          <a:effectRef idx="0">
+            <a:schemeClr val="accent1"/>
+          </a:effectRef>
+          <a:fontRef idx="minor">
+            <a:schemeClr val="tx1"/>
+          </a:fontRef>
+        </p:style>
+      </p:cxnSp>
+      <p:sp>
+        <p:nvSpPr>
+          <p:cNvPr id="405" name="正方形/長方形 404">
+            <a:extLst>
+              <a:ext uri="{FF2B5EF4-FFF2-40B4-BE49-F238E27FC236}">
+                <a16:creationId xmlns:a16="http://schemas.microsoft.com/office/drawing/2014/main" id="{C1D19BDE-8874-4D4C-A6F7-6A8FD2F6B1C9}"/>
+              </a:ext>
+            </a:extLst>
+          </p:cNvPr>
+          <p:cNvSpPr/>
+          <p:nvPr/>
+        </p:nvSpPr>
+        <p:spPr>
+          <a:xfrm>
+            <a:off x="7521260" y="8525349"/>
+            <a:ext cx="79243" cy="79243"/>
+          </a:xfrm>
+          <a:prstGeom prst="rect">
+            <a:avLst/>
+          </a:prstGeom>
+          <a:noFill/>
+          <a:ln>
+            <a:noFill/>
+          </a:ln>
+        </p:spPr>
+        <p:style>
+          <a:lnRef idx="2">
+            <a:schemeClr val="accent1">
+              <a:shade val="50000"/>
+            </a:schemeClr>
+          </a:lnRef>
+          <a:fillRef idx="1">
+            <a:schemeClr val="accent1"/>
+          </a:fillRef>
+          <a:effectRef idx="0">
+            <a:schemeClr val="accent1"/>
+          </a:effectRef>
+          <a:fontRef idx="minor">
+            <a:schemeClr val="lt1"/>
+          </a:fontRef>
+        </p:style>
+        <p:txBody>
+          <a:bodyPr rtlCol="0" anchor="ctr"/>
+          <a:lstStyle/>
+          <a:p>
+            <a:pPr algn="ctr"/>
+            <a:endParaRPr kumimoji="1" lang="ja-JP" altLang="en-US"/>
+          </a:p>
+        </p:txBody>
+      </p:sp>
+      <p:cxnSp>
+        <p:nvCxnSpPr>
+          <p:cNvPr id="406" name="コネクタ: カギ線 405">
+            <a:extLst>
+              <a:ext uri="{FF2B5EF4-FFF2-40B4-BE49-F238E27FC236}">
+                <a16:creationId xmlns:a16="http://schemas.microsoft.com/office/drawing/2014/main" id="{91F7403C-B79A-419F-BED1-60D7CF937F69}"/>
+              </a:ext>
+            </a:extLst>
+          </p:cNvPr>
+          <p:cNvCxnSpPr>
+            <a:cxnSpLocks/>
+            <a:stCxn id="370" idx="3"/>
+            <a:endCxn id="412" idx="2"/>
+          </p:cNvCxnSpPr>
+          <p:nvPr/>
+        </p:nvCxnSpPr>
+        <p:spPr>
+          <a:xfrm flipV="1">
+            <a:off x="10591700" y="5922260"/>
+            <a:ext cx="1874676" cy="2646253"/>
+          </a:xfrm>
+          <a:prstGeom prst="bentConnector2">
+            <a:avLst/>
+          </a:prstGeom>
+          <a:ln w="12700">
+            <a:solidFill>
+              <a:schemeClr val="accent1"/>
+            </a:solidFill>
+            <a:tailEnd type="triangle"/>
+          </a:ln>
+        </p:spPr>
+        <p:style>
+          <a:lnRef idx="1">
+            <a:schemeClr val="accent1"/>
+          </a:lnRef>
+          <a:fillRef idx="0">
+            <a:schemeClr val="accent1"/>
+          </a:fillRef>
+          <a:effectRef idx="0">
+            <a:schemeClr val="accent1"/>
+          </a:effectRef>
+          <a:fontRef idx="minor">
+            <a:schemeClr val="tx1"/>
+          </a:fontRef>
+        </p:style>
+      </p:cxnSp>
+      <p:sp>
+        <p:nvSpPr>
+          <p:cNvPr id="412" name="正方形/長方形 411">
+            <a:extLst>
+              <a:ext uri="{FF2B5EF4-FFF2-40B4-BE49-F238E27FC236}">
+                <a16:creationId xmlns:a16="http://schemas.microsoft.com/office/drawing/2014/main" id="{7252B026-C821-4E8E-8344-0CE982BE9558}"/>
+              </a:ext>
+            </a:extLst>
+          </p:cNvPr>
+          <p:cNvSpPr/>
+          <p:nvPr/>
+        </p:nvSpPr>
+        <p:spPr>
+          <a:xfrm>
+            <a:off x="12426754" y="5843017"/>
+            <a:ext cx="79243" cy="79243"/>
+          </a:xfrm>
+          <a:prstGeom prst="rect">
+            <a:avLst/>
+          </a:prstGeom>
+          <a:noFill/>
+          <a:ln>
+            <a:noFill/>
+          </a:ln>
+        </p:spPr>
+        <p:style>
+          <a:lnRef idx="2">
+            <a:schemeClr val="accent1">
+              <a:shade val="50000"/>
+            </a:schemeClr>
+          </a:lnRef>
+          <a:fillRef idx="1">
+            <a:schemeClr val="accent1"/>
+          </a:fillRef>
+          <a:effectRef idx="0">
+            <a:schemeClr val="accent1"/>
+          </a:effectRef>
+          <a:fontRef idx="minor">
+            <a:schemeClr val="lt1"/>
+          </a:fontRef>
+        </p:style>
+        <p:txBody>
+          <a:bodyPr rtlCol="0" anchor="ctr"/>
+          <a:lstStyle/>
+          <a:p>
+            <a:pPr algn="ctr"/>
+            <a:endParaRPr kumimoji="1" lang="ja-JP" altLang="en-US"/>
+          </a:p>
+        </p:txBody>
+      </p:sp>
+      <p:sp>
+        <p:nvSpPr>
+          <p:cNvPr id="415" name="正方形/長方形 414">
+            <a:extLst>
+              <a:ext uri="{FF2B5EF4-FFF2-40B4-BE49-F238E27FC236}">
+                <a16:creationId xmlns:a16="http://schemas.microsoft.com/office/drawing/2014/main" id="{34D8F43E-72E5-46C6-9D0D-C1CE5899BA00}"/>
+              </a:ext>
+            </a:extLst>
+          </p:cNvPr>
+          <p:cNvSpPr/>
+          <p:nvPr/>
+        </p:nvSpPr>
+        <p:spPr>
+          <a:xfrm>
+            <a:off x="12275876" y="6065856"/>
+            <a:ext cx="79243" cy="79243"/>
+          </a:xfrm>
+          <a:prstGeom prst="rect">
+            <a:avLst/>
+          </a:prstGeom>
+          <a:noFill/>
+          <a:ln>
+            <a:noFill/>
+          </a:ln>
+        </p:spPr>
+        <p:style>
+          <a:lnRef idx="2">
+            <a:schemeClr val="accent1">
+              <a:shade val="50000"/>
+            </a:schemeClr>
+          </a:lnRef>
+          <a:fillRef idx="1">
+            <a:schemeClr val="accent1"/>
+          </a:fillRef>
+          <a:effectRef idx="0">
+            <a:schemeClr val="accent1"/>
+          </a:effectRef>
+          <a:fontRef idx="minor">
+            <a:schemeClr val="lt1"/>
+          </a:fontRef>
+        </p:style>
+        <p:txBody>
+          <a:bodyPr rtlCol="0" anchor="ctr"/>
+          <a:lstStyle/>
+          <a:p>
+            <a:pPr algn="ctr"/>
+            <a:endParaRPr kumimoji="1" lang="ja-JP" altLang="en-US"/>
+          </a:p>
+        </p:txBody>
+      </p:sp>
+      <p:cxnSp>
+        <p:nvCxnSpPr>
+          <p:cNvPr id="416" name="コネクタ: カギ線 415">
+            <a:extLst>
+              <a:ext uri="{FF2B5EF4-FFF2-40B4-BE49-F238E27FC236}">
+                <a16:creationId xmlns:a16="http://schemas.microsoft.com/office/drawing/2014/main" id="{390BB295-ADBF-430D-B352-5D0EB9C13C4B}"/>
+              </a:ext>
+            </a:extLst>
+          </p:cNvPr>
+          <p:cNvCxnSpPr>
+            <a:cxnSpLocks/>
+            <a:stCxn id="370" idx="3"/>
+            <a:endCxn id="415" idx="2"/>
+          </p:cNvCxnSpPr>
+          <p:nvPr/>
+        </p:nvCxnSpPr>
+        <p:spPr>
+          <a:xfrm flipV="1">
+            <a:off x="10591700" y="6145099"/>
+            <a:ext cx="1723798" cy="2423414"/>
+          </a:xfrm>
+          <a:prstGeom prst="bentConnector2">
+            <a:avLst/>
+          </a:prstGeom>
+          <a:ln w="12700">
+            <a:solidFill>
+              <a:schemeClr val="accent1"/>
+            </a:solidFill>
+            <a:tailEnd type="triangle"/>
+          </a:ln>
+        </p:spPr>
+        <p:style>
+          <a:lnRef idx="1">
+            <a:schemeClr val="accent1"/>
+          </a:lnRef>
+          <a:fillRef idx="0">
+            <a:schemeClr val="accent1"/>
+          </a:fillRef>
+          <a:effectRef idx="0">
+            <a:schemeClr val="accent1"/>
+          </a:effectRef>
+          <a:fontRef idx="minor">
+            <a:schemeClr val="tx1"/>
+          </a:fontRef>
+        </p:style>
+      </p:cxnSp>
+      <p:sp>
+        <p:nvSpPr>
+          <p:cNvPr id="420" name="正方形/長方形 419">
+            <a:extLst>
+              <a:ext uri="{FF2B5EF4-FFF2-40B4-BE49-F238E27FC236}">
+                <a16:creationId xmlns:a16="http://schemas.microsoft.com/office/drawing/2014/main" id="{0FD20177-D227-4A73-915E-42792DB28C75}"/>
+              </a:ext>
+            </a:extLst>
+          </p:cNvPr>
+          <p:cNvSpPr/>
+          <p:nvPr/>
+        </p:nvSpPr>
+        <p:spPr>
+          <a:xfrm>
+            <a:off x="12124997" y="6509675"/>
+            <a:ext cx="79243" cy="79243"/>
+          </a:xfrm>
+          <a:prstGeom prst="rect">
+            <a:avLst/>
+          </a:prstGeom>
+          <a:noFill/>
+          <a:ln>
+            <a:noFill/>
+          </a:ln>
+        </p:spPr>
+        <p:style>
+          <a:lnRef idx="2">
+            <a:schemeClr val="accent1">
+              <a:shade val="50000"/>
+            </a:schemeClr>
+          </a:lnRef>
+          <a:fillRef idx="1">
+            <a:schemeClr val="accent1"/>
+          </a:fillRef>
+          <a:effectRef idx="0">
+            <a:schemeClr val="accent1"/>
+          </a:effectRef>
+          <a:fontRef idx="minor">
+            <a:schemeClr val="lt1"/>
+          </a:fontRef>
+        </p:style>
+        <p:txBody>
+          <a:bodyPr rtlCol="0" anchor="ctr"/>
+          <a:lstStyle/>
+          <a:p>
+            <a:pPr algn="ctr"/>
+            <a:endParaRPr kumimoji="1" lang="ja-JP" altLang="en-US"/>
+          </a:p>
+        </p:txBody>
+      </p:sp>
+      <p:cxnSp>
+        <p:nvCxnSpPr>
+          <p:cNvPr id="421" name="コネクタ: カギ線 420">
+            <a:extLst>
+              <a:ext uri="{FF2B5EF4-FFF2-40B4-BE49-F238E27FC236}">
+                <a16:creationId xmlns:a16="http://schemas.microsoft.com/office/drawing/2014/main" id="{1D09AB65-1B14-439C-BC2C-3F93C041D2BF}"/>
+              </a:ext>
+            </a:extLst>
+          </p:cNvPr>
+          <p:cNvCxnSpPr>
+            <a:cxnSpLocks/>
+            <a:stCxn id="370" idx="3"/>
+            <a:endCxn id="420" idx="2"/>
+          </p:cNvCxnSpPr>
+          <p:nvPr/>
+        </p:nvCxnSpPr>
+        <p:spPr>
+          <a:xfrm flipV="1">
+            <a:off x="10591700" y="6588918"/>
+            <a:ext cx="1572919" cy="1979595"/>
+          </a:xfrm>
+          <a:prstGeom prst="bentConnector2">
+            <a:avLst/>
+          </a:prstGeom>
+          <a:ln w="12700">
+            <a:solidFill>
+              <a:schemeClr val="accent1"/>
+            </a:solidFill>
+            <a:tailEnd type="triangle"/>
+          </a:ln>
+        </p:spPr>
+        <p:style>
+          <a:lnRef idx="1">
+            <a:schemeClr val="accent1"/>
+          </a:lnRef>
+          <a:fillRef idx="0">
+            <a:schemeClr val="accent1"/>
+          </a:fillRef>
+          <a:effectRef idx="0">
+            <a:schemeClr val="accent1"/>
+          </a:effectRef>
+          <a:fontRef idx="minor">
+            <a:schemeClr val="tx1"/>
+          </a:fontRef>
+        </p:style>
+      </p:cxnSp>
     </p:spTree>
     <p:extLst>
       <p:ext uri="{BB962C8B-B14F-4D97-AF65-F5344CB8AC3E}">
